--- a/ASIC_Approach1.pptx
+++ b/ASIC_Approach1.pptx
@@ -12,9 +12,11 @@
     <p:sldId id="260" r:id="rId6"/>
     <p:sldId id="261" r:id="rId7"/>
     <p:sldId id="262" r:id="rId8"/>
-    <p:sldId id="263" r:id="rId9"/>
-    <p:sldId id="264" r:id="rId10"/>
-    <p:sldId id="265" r:id="rId11"/>
+    <p:sldId id="267" r:id="rId9"/>
+    <p:sldId id="263" r:id="rId10"/>
+    <p:sldId id="264" r:id="rId11"/>
+    <p:sldId id="265" r:id="rId12"/>
+    <p:sldId id="266" r:id="rId13"/>
   </p:sldIdLst>
   <p:sldSz cx="12192000" cy="6858000"/>
   <p:notesSz cx="6858000" cy="9144000"/>
@@ -3538,6 +3540,1491 @@
           <a:chExt cx="0" cy="0"/>
         </a:xfrm>
       </p:grpSpPr>
+      <p:sp>
+        <p:nvSpPr>
+          <p:cNvPr id="2" name="Title 1">
+            <a:extLst>
+              <a:ext uri="{FF2B5EF4-FFF2-40B4-BE49-F238E27FC236}">
+                <a16:creationId xmlns:a16="http://schemas.microsoft.com/office/drawing/2014/main" id="{AF190C2A-DB37-0E41-A54B-4D0A4B4693E8}"/>
+              </a:ext>
+            </a:extLst>
+          </p:cNvPr>
+          <p:cNvSpPr>
+            <a:spLocks noGrp="1"/>
+          </p:cNvSpPr>
+          <p:nvPr>
+            <p:ph type="title"/>
+          </p:nvPr>
+        </p:nvSpPr>
+        <p:spPr>
+          <a:xfrm>
+            <a:off x="838200" y="-79492"/>
+            <a:ext cx="10515600" cy="1325563"/>
+          </a:xfrm>
+        </p:spPr>
+        <p:txBody>
+          <a:bodyPr/>
+          <a:lstStyle/>
+          <a:p>
+            <a:pPr algn="ctr"/>
+            <a:r>
+              <a:rPr lang="en-GB" dirty="0"/>
+              <a:t>t</a:t>
+            </a:r>
+            <a:r>
+              <a:rPr lang="en-ES" dirty="0"/>
+              <a:t>b: SUCCESSFUL</a:t>
+            </a:r>
+          </a:p>
+        </p:txBody>
+      </p:sp>
+      <p:pic>
+        <p:nvPicPr>
+          <p:cNvPr id="4" name="Picture 3">
+            <a:extLst>
+              <a:ext uri="{FF2B5EF4-FFF2-40B4-BE49-F238E27FC236}">
+                <a16:creationId xmlns:a16="http://schemas.microsoft.com/office/drawing/2014/main" id="{F6444BEB-4963-C64F-81AB-5935925996D1}"/>
+              </a:ext>
+            </a:extLst>
+          </p:cNvPr>
+          <p:cNvPicPr>
+            <a:picLocks noChangeAspect="1"/>
+          </p:cNvPicPr>
+          <p:nvPr/>
+        </p:nvPicPr>
+        <p:blipFill rotWithShape="1">
+          <a:blip r:embed="rId2"/>
+          <a:srcRect r="58310"/>
+          <a:stretch/>
+        </p:blipFill>
+        <p:spPr>
+          <a:xfrm>
+            <a:off x="8601191" y="1793558"/>
+            <a:ext cx="3160494" cy="3270884"/>
+          </a:xfrm>
+          <a:prstGeom prst="rect">
+            <a:avLst/>
+          </a:prstGeom>
+        </p:spPr>
+      </p:pic>
+      <p:pic>
+        <p:nvPicPr>
+          <p:cNvPr id="5" name="Picture 4">
+            <a:extLst>
+              <a:ext uri="{FF2B5EF4-FFF2-40B4-BE49-F238E27FC236}">
+                <a16:creationId xmlns:a16="http://schemas.microsoft.com/office/drawing/2014/main" id="{B73730FB-9EC6-FF40-BECC-3AA2EB18DE57}"/>
+              </a:ext>
+            </a:extLst>
+          </p:cNvPr>
+          <p:cNvPicPr>
+            <a:picLocks noChangeAspect="1"/>
+          </p:cNvPicPr>
+          <p:nvPr/>
+        </p:nvPicPr>
+        <p:blipFill rotWithShape="1">
+          <a:blip r:embed="rId3"/>
+          <a:srcRect r="60876"/>
+          <a:stretch/>
+        </p:blipFill>
+        <p:spPr>
+          <a:xfrm>
+            <a:off x="430315" y="1793558"/>
+            <a:ext cx="3459061" cy="3266747"/>
+          </a:xfrm>
+          <a:prstGeom prst="rect">
+            <a:avLst/>
+          </a:prstGeom>
+        </p:spPr>
+      </p:pic>
+      <p:graphicFrame>
+        <p:nvGraphicFramePr>
+          <p:cNvPr id="6" name="Table 6">
+            <a:extLst>
+              <a:ext uri="{FF2B5EF4-FFF2-40B4-BE49-F238E27FC236}">
+                <a16:creationId xmlns:a16="http://schemas.microsoft.com/office/drawing/2014/main" id="{4BF7D8D3-9CB7-1D42-B1EA-B3EC3E6C668E}"/>
+              </a:ext>
+            </a:extLst>
+          </p:cNvPr>
+          <p:cNvGraphicFramePr>
+            <a:graphicFrameLocks noGrp="1"/>
+          </p:cNvGraphicFramePr>
+          <p:nvPr>
+            <p:extLst>
+              <p:ext uri="{D42A27DB-BD31-4B8C-83A1-F6EECF244321}">
+                <p14:modId xmlns:p14="http://schemas.microsoft.com/office/powerpoint/2010/main" val="4120969935"/>
+              </p:ext>
+            </p:extLst>
+          </p:nvPr>
+        </p:nvGraphicFramePr>
+        <p:xfrm>
+          <a:off x="5052992" y="1131675"/>
+          <a:ext cx="2086016" cy="4985552"/>
+        </p:xfrm>
+        <a:graphic>
+          <a:graphicData uri="http://schemas.openxmlformats.org/drawingml/2006/table">
+            <a:tbl>
+              <a:tblPr firstRow="1" bandRow="1">
+                <a:tableStyleId>{5940675A-B579-460E-94D1-54222C63F5DA}</a:tableStyleId>
+              </a:tblPr>
+              <a:tblGrid>
+                <a:gridCol w="589280">
+                  <a:extLst>
+                    <a:ext uri="{9D8B030D-6E8A-4147-A177-3AD203B41FA5}">
+                      <a16:colId xmlns:a16="http://schemas.microsoft.com/office/drawing/2014/main" val="1358615862"/>
+                    </a:ext>
+                  </a:extLst>
+                </a:gridCol>
+                <a:gridCol w="498912">
+                  <a:extLst>
+                    <a:ext uri="{9D8B030D-6E8A-4147-A177-3AD203B41FA5}">
+                      <a16:colId xmlns:a16="http://schemas.microsoft.com/office/drawing/2014/main" val="2244448403"/>
+                    </a:ext>
+                  </a:extLst>
+                </a:gridCol>
+                <a:gridCol w="498912">
+                  <a:extLst>
+                    <a:ext uri="{9D8B030D-6E8A-4147-A177-3AD203B41FA5}">
+                      <a16:colId xmlns:a16="http://schemas.microsoft.com/office/drawing/2014/main" val="2260602222"/>
+                    </a:ext>
+                  </a:extLst>
+                </a:gridCol>
+                <a:gridCol w="498912">
+                  <a:extLst>
+                    <a:ext uri="{9D8B030D-6E8A-4147-A177-3AD203B41FA5}">
+                      <a16:colId xmlns:a16="http://schemas.microsoft.com/office/drawing/2014/main" val="3144191804"/>
+                    </a:ext>
+                  </a:extLst>
+                </a:gridCol>
+              </a:tblGrid>
+              <a:tr h="311597">
+                <a:tc>
+                  <a:txBody>
+                    <a:bodyPr/>
+                    <a:lstStyle/>
+                    <a:p>
+                      <a:pPr algn="ctr"/>
+                      <a:r>
+                        <a:rPr lang="en-ES" sz="1100" dirty="0"/>
+                        <a:t>p00</a:t>
+                      </a:r>
+                    </a:p>
+                  </a:txBody>
+                  <a:tcPr/>
+                </a:tc>
+                <a:tc>
+                  <a:txBody>
+                    <a:bodyPr/>
+                    <a:lstStyle/>
+                    <a:p>
+                      <a:pPr algn="ctr"/>
+                      <a:r>
+                        <a:rPr lang="en-ES" sz="1100" dirty="0"/>
+                        <a:t>00</a:t>
+                      </a:r>
+                    </a:p>
+                  </a:txBody>
+                  <a:tcPr/>
+                </a:tc>
+                <a:tc>
+                  <a:txBody>
+                    <a:bodyPr/>
+                    <a:lstStyle/>
+                    <a:p>
+                      <a:pPr algn="ctr"/>
+                      <a:r>
+                        <a:rPr lang="en-ES" sz="1100" dirty="0"/>
+                        <a:t>o00</a:t>
+                      </a:r>
+                    </a:p>
+                  </a:txBody>
+                  <a:tcPr/>
+                </a:tc>
+                <a:tc>
+                  <a:txBody>
+                    <a:bodyPr/>
+                    <a:lstStyle/>
+                    <a:p>
+                      <a:pPr algn="ctr"/>
+                      <a:r>
+                        <a:rPr lang="en-ES" sz="1100" dirty="0"/>
+                        <a:t>00</a:t>
+                      </a:r>
+                    </a:p>
+                  </a:txBody>
+                  <a:tcPr/>
+                </a:tc>
+                <a:extLst>
+                  <a:ext uri="{0D108BD9-81ED-4DB2-BD59-A6C34878D82A}">
+                    <a16:rowId xmlns:a16="http://schemas.microsoft.com/office/drawing/2014/main" val="1822926274"/>
+                  </a:ext>
+                </a:extLst>
+              </a:tr>
+              <a:tr h="311597">
+                <a:tc>
+                  <a:txBody>
+                    <a:bodyPr/>
+                    <a:lstStyle/>
+                    <a:p>
+                      <a:pPr algn="ctr"/>
+                      <a:r>
+                        <a:rPr lang="en-ES" sz="1100" dirty="0"/>
+                        <a:t>p01</a:t>
+                      </a:r>
+                    </a:p>
+                  </a:txBody>
+                  <a:tcPr/>
+                </a:tc>
+                <a:tc>
+                  <a:txBody>
+                    <a:bodyPr/>
+                    <a:lstStyle/>
+                    <a:p>
+                      <a:pPr algn="ctr"/>
+                      <a:r>
+                        <a:rPr lang="en-ES" sz="1100" dirty="0"/>
+                        <a:t>01</a:t>
+                      </a:r>
+                    </a:p>
+                  </a:txBody>
+                  <a:tcPr/>
+                </a:tc>
+                <a:tc>
+                  <a:txBody>
+                    <a:bodyPr/>
+                    <a:lstStyle/>
+                    <a:p>
+                      <a:pPr algn="ctr"/>
+                      <a:r>
+                        <a:rPr lang="en-ES" sz="1100" dirty="0"/>
+                        <a:t>o01</a:t>
+                      </a:r>
+                    </a:p>
+                  </a:txBody>
+                  <a:tcPr/>
+                </a:tc>
+                <a:tc>
+                  <a:txBody>
+                    <a:bodyPr/>
+                    <a:lstStyle/>
+                    <a:p>
+                      <a:pPr algn="ctr"/>
+                      <a:r>
+                        <a:rPr lang="en-ES" sz="1100" dirty="0"/>
+                        <a:t>01</a:t>
+                      </a:r>
+                    </a:p>
+                  </a:txBody>
+                  <a:tcPr/>
+                </a:tc>
+                <a:extLst>
+                  <a:ext uri="{0D108BD9-81ED-4DB2-BD59-A6C34878D82A}">
+                    <a16:rowId xmlns:a16="http://schemas.microsoft.com/office/drawing/2014/main" val="2935675037"/>
+                  </a:ext>
+                </a:extLst>
+              </a:tr>
+              <a:tr h="311597">
+                <a:tc>
+                  <a:txBody>
+                    <a:bodyPr/>
+                    <a:lstStyle/>
+                    <a:p>
+                      <a:pPr algn="ctr"/>
+                      <a:r>
+                        <a:rPr lang="en-ES" sz="1100" dirty="0"/>
+                        <a:t>p02</a:t>
+                      </a:r>
+                    </a:p>
+                  </a:txBody>
+                  <a:tcPr/>
+                </a:tc>
+                <a:tc>
+                  <a:txBody>
+                    <a:bodyPr/>
+                    <a:lstStyle/>
+                    <a:p>
+                      <a:pPr algn="ctr"/>
+                      <a:r>
+                        <a:rPr lang="en-ES" sz="1100" dirty="0"/>
+                        <a:t>02</a:t>
+                      </a:r>
+                    </a:p>
+                  </a:txBody>
+                  <a:tcPr/>
+                </a:tc>
+                <a:tc>
+                  <a:txBody>
+                    <a:bodyPr/>
+                    <a:lstStyle/>
+                    <a:p>
+                      <a:pPr algn="ctr"/>
+                      <a:r>
+                        <a:rPr lang="en-ES" sz="1100" dirty="0"/>
+                        <a:t>o02</a:t>
+                      </a:r>
+                    </a:p>
+                  </a:txBody>
+                  <a:tcPr/>
+                </a:tc>
+                <a:tc>
+                  <a:txBody>
+                    <a:bodyPr/>
+                    <a:lstStyle/>
+                    <a:p>
+                      <a:pPr algn="ctr"/>
+                      <a:r>
+                        <a:rPr lang="en-ES" sz="1100" dirty="0"/>
+                        <a:t>02</a:t>
+                      </a:r>
+                    </a:p>
+                  </a:txBody>
+                  <a:tcPr/>
+                </a:tc>
+                <a:extLst>
+                  <a:ext uri="{0D108BD9-81ED-4DB2-BD59-A6C34878D82A}">
+                    <a16:rowId xmlns:a16="http://schemas.microsoft.com/office/drawing/2014/main" val="2470496680"/>
+                  </a:ext>
+                </a:extLst>
+              </a:tr>
+              <a:tr h="311597">
+                <a:tc>
+                  <a:txBody>
+                    <a:bodyPr/>
+                    <a:lstStyle/>
+                    <a:p>
+                      <a:pPr algn="ctr"/>
+                      <a:r>
+                        <a:rPr lang="en-ES" sz="1100" dirty="0"/>
+                        <a:t>p03</a:t>
+                      </a:r>
+                    </a:p>
+                  </a:txBody>
+                  <a:tcPr/>
+                </a:tc>
+                <a:tc>
+                  <a:txBody>
+                    <a:bodyPr/>
+                    <a:lstStyle/>
+                    <a:p>
+                      <a:pPr algn="ctr"/>
+                      <a:r>
+                        <a:rPr lang="en-ES" sz="1100" dirty="0"/>
+                        <a:t>03</a:t>
+                      </a:r>
+                    </a:p>
+                  </a:txBody>
+                  <a:tcPr/>
+                </a:tc>
+                <a:tc>
+                  <a:txBody>
+                    <a:bodyPr/>
+                    <a:lstStyle/>
+                    <a:p>
+                      <a:pPr algn="ctr"/>
+                      <a:r>
+                        <a:rPr lang="en-ES" sz="1100" dirty="0"/>
+                        <a:t>o03</a:t>
+                      </a:r>
+                    </a:p>
+                  </a:txBody>
+                  <a:tcPr/>
+                </a:tc>
+                <a:tc>
+                  <a:txBody>
+                    <a:bodyPr/>
+                    <a:lstStyle/>
+                    <a:p>
+                      <a:pPr algn="ctr"/>
+                      <a:r>
+                        <a:rPr lang="en-ES" sz="1100" dirty="0"/>
+                        <a:t>03</a:t>
+                      </a:r>
+                    </a:p>
+                  </a:txBody>
+                  <a:tcPr/>
+                </a:tc>
+                <a:extLst>
+                  <a:ext uri="{0D108BD9-81ED-4DB2-BD59-A6C34878D82A}">
+                    <a16:rowId xmlns:a16="http://schemas.microsoft.com/office/drawing/2014/main" val="254035867"/>
+                  </a:ext>
+                </a:extLst>
+              </a:tr>
+              <a:tr h="311597">
+                <a:tc>
+                  <a:txBody>
+                    <a:bodyPr/>
+                    <a:lstStyle/>
+                    <a:p>
+                      <a:pPr algn="ctr"/>
+                      <a:r>
+                        <a:rPr lang="en-ES" sz="1100" dirty="0"/>
+                        <a:t>p10</a:t>
+                      </a:r>
+                    </a:p>
+                  </a:txBody>
+                  <a:tcPr/>
+                </a:tc>
+                <a:tc>
+                  <a:txBody>
+                    <a:bodyPr/>
+                    <a:lstStyle/>
+                    <a:p>
+                      <a:pPr algn="ctr"/>
+                      <a:r>
+                        <a:rPr lang="en-ES" sz="1100" dirty="0"/>
+                        <a:t>0A</a:t>
+                      </a:r>
+                    </a:p>
+                  </a:txBody>
+                  <a:tcPr/>
+                </a:tc>
+                <a:tc>
+                  <a:txBody>
+                    <a:bodyPr/>
+                    <a:lstStyle/>
+                    <a:p>
+                      <a:pPr algn="ctr"/>
+                      <a:r>
+                        <a:rPr lang="en-ES" sz="1100" dirty="0"/>
+                        <a:t>o10</a:t>
+                      </a:r>
+                    </a:p>
+                  </a:txBody>
+                  <a:tcPr/>
+                </a:tc>
+                <a:tc>
+                  <a:txBody>
+                    <a:bodyPr/>
+                    <a:lstStyle/>
+                    <a:p>
+                      <a:pPr algn="ctr"/>
+                      <a:r>
+                        <a:rPr lang="en-ES" sz="1100" dirty="0"/>
+                        <a:t>0D</a:t>
+                      </a:r>
+                    </a:p>
+                  </a:txBody>
+                  <a:tcPr/>
+                </a:tc>
+                <a:extLst>
+                  <a:ext uri="{0D108BD9-81ED-4DB2-BD59-A6C34878D82A}">
+                    <a16:rowId xmlns:a16="http://schemas.microsoft.com/office/drawing/2014/main" val="1300543263"/>
+                  </a:ext>
+                </a:extLst>
+              </a:tr>
+              <a:tr h="311597">
+                <a:tc>
+                  <a:txBody>
+                    <a:bodyPr/>
+                    <a:lstStyle/>
+                    <a:p>
+                      <a:pPr algn="ctr"/>
+                      <a:r>
+                        <a:rPr lang="en-ES" sz="1100" dirty="0"/>
+                        <a:t>p11</a:t>
+                      </a:r>
+                    </a:p>
+                  </a:txBody>
+                  <a:tcPr/>
+                </a:tc>
+                <a:tc>
+                  <a:txBody>
+                    <a:bodyPr/>
+                    <a:lstStyle/>
+                    <a:p>
+                      <a:pPr algn="ctr"/>
+                      <a:r>
+                        <a:rPr lang="en-ES" sz="1100" dirty="0"/>
+                        <a:t>0B</a:t>
+                      </a:r>
+                    </a:p>
+                  </a:txBody>
+                  <a:tcPr/>
+                </a:tc>
+                <a:tc>
+                  <a:txBody>
+                    <a:bodyPr/>
+                    <a:lstStyle/>
+                    <a:p>
+                      <a:pPr algn="ctr"/>
+                      <a:r>
+                        <a:rPr lang="en-ES" sz="1100" dirty="0"/>
+                        <a:t>o11</a:t>
+                      </a:r>
+                    </a:p>
+                  </a:txBody>
+                  <a:tcPr/>
+                </a:tc>
+                <a:tc>
+                  <a:txBody>
+                    <a:bodyPr/>
+                    <a:lstStyle/>
+                    <a:p>
+                      <a:pPr algn="ctr"/>
+                      <a:r>
+                        <a:rPr lang="en-ES" sz="1100" dirty="0"/>
+                        <a:t>0A</a:t>
+                      </a:r>
+                    </a:p>
+                  </a:txBody>
+                  <a:tcPr/>
+                </a:tc>
+                <a:extLst>
+                  <a:ext uri="{0D108BD9-81ED-4DB2-BD59-A6C34878D82A}">
+                    <a16:rowId xmlns:a16="http://schemas.microsoft.com/office/drawing/2014/main" val="4065556686"/>
+                  </a:ext>
+                </a:extLst>
+              </a:tr>
+              <a:tr h="311597">
+                <a:tc>
+                  <a:txBody>
+                    <a:bodyPr/>
+                    <a:lstStyle/>
+                    <a:p>
+                      <a:pPr algn="ctr"/>
+                      <a:r>
+                        <a:rPr lang="en-ES" sz="1100" dirty="0"/>
+                        <a:t>p12</a:t>
+                      </a:r>
+                    </a:p>
+                  </a:txBody>
+                  <a:tcPr/>
+                </a:tc>
+                <a:tc>
+                  <a:txBody>
+                    <a:bodyPr/>
+                    <a:lstStyle/>
+                    <a:p>
+                      <a:pPr algn="ctr"/>
+                      <a:r>
+                        <a:rPr lang="en-ES" sz="1100" dirty="0"/>
+                        <a:t>0C</a:t>
+                      </a:r>
+                    </a:p>
+                  </a:txBody>
+                  <a:tcPr/>
+                </a:tc>
+                <a:tc>
+                  <a:txBody>
+                    <a:bodyPr/>
+                    <a:lstStyle/>
+                    <a:p>
+                      <a:pPr algn="ctr"/>
+                      <a:r>
+                        <a:rPr lang="en-ES" sz="1100" dirty="0"/>
+                        <a:t>o12</a:t>
+                      </a:r>
+                    </a:p>
+                  </a:txBody>
+                  <a:tcPr/>
+                </a:tc>
+                <a:tc>
+                  <a:txBody>
+                    <a:bodyPr/>
+                    <a:lstStyle/>
+                    <a:p>
+                      <a:pPr algn="ctr"/>
+                      <a:r>
+                        <a:rPr lang="en-ES" sz="1100" dirty="0"/>
+                        <a:t>0B</a:t>
+                      </a:r>
+                    </a:p>
+                  </a:txBody>
+                  <a:tcPr/>
+                </a:tc>
+                <a:extLst>
+                  <a:ext uri="{0D108BD9-81ED-4DB2-BD59-A6C34878D82A}">
+                    <a16:rowId xmlns:a16="http://schemas.microsoft.com/office/drawing/2014/main" val="1578798144"/>
+                  </a:ext>
+                </a:extLst>
+              </a:tr>
+              <a:tr h="311597">
+                <a:tc>
+                  <a:txBody>
+                    <a:bodyPr/>
+                    <a:lstStyle/>
+                    <a:p>
+                      <a:pPr algn="ctr"/>
+                      <a:r>
+                        <a:rPr lang="en-ES" sz="1100" dirty="0"/>
+                        <a:t>p13</a:t>
+                      </a:r>
+                    </a:p>
+                  </a:txBody>
+                  <a:tcPr/>
+                </a:tc>
+                <a:tc>
+                  <a:txBody>
+                    <a:bodyPr/>
+                    <a:lstStyle/>
+                    <a:p>
+                      <a:pPr algn="ctr"/>
+                      <a:r>
+                        <a:rPr lang="en-ES" sz="1100" dirty="0"/>
+                        <a:t>0D</a:t>
+                      </a:r>
+                    </a:p>
+                  </a:txBody>
+                  <a:tcPr/>
+                </a:tc>
+                <a:tc>
+                  <a:txBody>
+                    <a:bodyPr/>
+                    <a:lstStyle/>
+                    <a:p>
+                      <a:pPr algn="ctr"/>
+                      <a:r>
+                        <a:rPr lang="en-ES" sz="1100" dirty="0"/>
+                        <a:t>o13</a:t>
+                      </a:r>
+                    </a:p>
+                  </a:txBody>
+                  <a:tcPr/>
+                </a:tc>
+                <a:tc>
+                  <a:txBody>
+                    <a:bodyPr/>
+                    <a:lstStyle/>
+                    <a:p>
+                      <a:pPr algn="ctr"/>
+                      <a:r>
+                        <a:rPr lang="en-ES" sz="1100" dirty="0"/>
+                        <a:t>0C</a:t>
+                      </a:r>
+                    </a:p>
+                  </a:txBody>
+                  <a:tcPr/>
+                </a:tc>
+                <a:extLst>
+                  <a:ext uri="{0D108BD9-81ED-4DB2-BD59-A6C34878D82A}">
+                    <a16:rowId xmlns:a16="http://schemas.microsoft.com/office/drawing/2014/main" val="3268324652"/>
+                  </a:ext>
+                </a:extLst>
+              </a:tr>
+              <a:tr h="311597">
+                <a:tc>
+                  <a:txBody>
+                    <a:bodyPr/>
+                    <a:lstStyle/>
+                    <a:p>
+                      <a:pPr algn="ctr"/>
+                      <a:r>
+                        <a:rPr lang="en-ES" sz="1100" dirty="0"/>
+                        <a:t>p20</a:t>
+                      </a:r>
+                    </a:p>
+                  </a:txBody>
+                  <a:tcPr/>
+                </a:tc>
+                <a:tc>
+                  <a:txBody>
+                    <a:bodyPr/>
+                    <a:lstStyle/>
+                    <a:p>
+                      <a:pPr algn="ctr"/>
+                      <a:r>
+                        <a:rPr lang="en-ES" sz="1100" dirty="0"/>
+                        <a:t>14</a:t>
+                      </a:r>
+                    </a:p>
+                  </a:txBody>
+                  <a:tcPr/>
+                </a:tc>
+                <a:tc>
+                  <a:txBody>
+                    <a:bodyPr/>
+                    <a:lstStyle/>
+                    <a:p>
+                      <a:pPr algn="ctr"/>
+                      <a:r>
+                        <a:rPr lang="en-ES" sz="1100" dirty="0"/>
+                        <a:t>o20</a:t>
+                      </a:r>
+                    </a:p>
+                  </a:txBody>
+                  <a:tcPr/>
+                </a:tc>
+                <a:tc>
+                  <a:txBody>
+                    <a:bodyPr/>
+                    <a:lstStyle/>
+                    <a:p>
+                      <a:pPr algn="ctr"/>
+                      <a:r>
+                        <a:rPr lang="en-ES" sz="1100" dirty="0"/>
+                        <a:t>16</a:t>
+                      </a:r>
+                    </a:p>
+                  </a:txBody>
+                  <a:tcPr/>
+                </a:tc>
+                <a:extLst>
+                  <a:ext uri="{0D108BD9-81ED-4DB2-BD59-A6C34878D82A}">
+                    <a16:rowId xmlns:a16="http://schemas.microsoft.com/office/drawing/2014/main" val="2557171081"/>
+                  </a:ext>
+                </a:extLst>
+              </a:tr>
+              <a:tr h="311597">
+                <a:tc>
+                  <a:txBody>
+                    <a:bodyPr/>
+                    <a:lstStyle/>
+                    <a:p>
+                      <a:pPr algn="ctr"/>
+                      <a:r>
+                        <a:rPr lang="en-ES" sz="1100" dirty="0"/>
+                        <a:t>p21</a:t>
+                      </a:r>
+                    </a:p>
+                  </a:txBody>
+                  <a:tcPr/>
+                </a:tc>
+                <a:tc>
+                  <a:txBody>
+                    <a:bodyPr/>
+                    <a:lstStyle/>
+                    <a:p>
+                      <a:pPr algn="ctr"/>
+                      <a:r>
+                        <a:rPr lang="en-ES" sz="1100" dirty="0"/>
+                        <a:t>15</a:t>
+                      </a:r>
+                    </a:p>
+                  </a:txBody>
+                  <a:tcPr/>
+                </a:tc>
+                <a:tc>
+                  <a:txBody>
+                    <a:bodyPr/>
+                    <a:lstStyle/>
+                    <a:p>
+                      <a:pPr algn="ctr"/>
+                      <a:r>
+                        <a:rPr lang="en-ES" sz="1100" dirty="0"/>
+                        <a:t>o21</a:t>
+                      </a:r>
+                    </a:p>
+                  </a:txBody>
+                  <a:tcPr/>
+                </a:tc>
+                <a:tc>
+                  <a:txBody>
+                    <a:bodyPr/>
+                    <a:lstStyle/>
+                    <a:p>
+                      <a:pPr algn="ctr"/>
+                      <a:r>
+                        <a:rPr lang="en-ES" sz="1100" dirty="0"/>
+                        <a:t>17</a:t>
+                      </a:r>
+                    </a:p>
+                  </a:txBody>
+                  <a:tcPr/>
+                </a:tc>
+                <a:extLst>
+                  <a:ext uri="{0D108BD9-81ED-4DB2-BD59-A6C34878D82A}">
+                    <a16:rowId xmlns:a16="http://schemas.microsoft.com/office/drawing/2014/main" val="1649847892"/>
+                  </a:ext>
+                </a:extLst>
+              </a:tr>
+              <a:tr h="311597">
+                <a:tc>
+                  <a:txBody>
+                    <a:bodyPr/>
+                    <a:lstStyle/>
+                    <a:p>
+                      <a:pPr algn="ctr"/>
+                      <a:r>
+                        <a:rPr lang="en-ES" sz="1100" dirty="0"/>
+                        <a:t>p22</a:t>
+                      </a:r>
+                    </a:p>
+                  </a:txBody>
+                  <a:tcPr/>
+                </a:tc>
+                <a:tc>
+                  <a:txBody>
+                    <a:bodyPr/>
+                    <a:lstStyle/>
+                    <a:p>
+                      <a:pPr algn="ctr"/>
+                      <a:r>
+                        <a:rPr lang="en-ES" sz="1100" dirty="0"/>
+                        <a:t>16</a:t>
+                      </a:r>
+                    </a:p>
+                  </a:txBody>
+                  <a:tcPr/>
+                </a:tc>
+                <a:tc>
+                  <a:txBody>
+                    <a:bodyPr/>
+                    <a:lstStyle/>
+                    <a:p>
+                      <a:pPr algn="ctr"/>
+                      <a:r>
+                        <a:rPr lang="en-ES" sz="1100" dirty="0"/>
+                        <a:t>o22</a:t>
+                      </a:r>
+                    </a:p>
+                  </a:txBody>
+                  <a:tcPr/>
+                </a:tc>
+                <a:tc>
+                  <a:txBody>
+                    <a:bodyPr/>
+                    <a:lstStyle/>
+                    <a:p>
+                      <a:pPr algn="ctr"/>
+                      <a:r>
+                        <a:rPr lang="en-ES" sz="1100" dirty="0"/>
+                        <a:t>14</a:t>
+                      </a:r>
+                    </a:p>
+                  </a:txBody>
+                  <a:tcPr/>
+                </a:tc>
+                <a:extLst>
+                  <a:ext uri="{0D108BD9-81ED-4DB2-BD59-A6C34878D82A}">
+                    <a16:rowId xmlns:a16="http://schemas.microsoft.com/office/drawing/2014/main" val="1063635870"/>
+                  </a:ext>
+                </a:extLst>
+              </a:tr>
+              <a:tr h="311597">
+                <a:tc>
+                  <a:txBody>
+                    <a:bodyPr/>
+                    <a:lstStyle/>
+                    <a:p>
+                      <a:pPr algn="ctr"/>
+                      <a:r>
+                        <a:rPr lang="en-ES" sz="1100" dirty="0"/>
+                        <a:t>p23</a:t>
+                      </a:r>
+                    </a:p>
+                  </a:txBody>
+                  <a:tcPr/>
+                </a:tc>
+                <a:tc>
+                  <a:txBody>
+                    <a:bodyPr/>
+                    <a:lstStyle/>
+                    <a:p>
+                      <a:pPr algn="ctr"/>
+                      <a:r>
+                        <a:rPr lang="en-ES" sz="1100" dirty="0"/>
+                        <a:t>17</a:t>
+                      </a:r>
+                    </a:p>
+                  </a:txBody>
+                  <a:tcPr/>
+                </a:tc>
+                <a:tc>
+                  <a:txBody>
+                    <a:bodyPr/>
+                    <a:lstStyle/>
+                    <a:p>
+                      <a:pPr algn="ctr"/>
+                      <a:r>
+                        <a:rPr lang="en-ES" sz="1100" dirty="0"/>
+                        <a:t>o23</a:t>
+                      </a:r>
+                    </a:p>
+                  </a:txBody>
+                  <a:tcPr/>
+                </a:tc>
+                <a:tc>
+                  <a:txBody>
+                    <a:bodyPr/>
+                    <a:lstStyle/>
+                    <a:p>
+                      <a:pPr algn="ctr"/>
+                      <a:r>
+                        <a:rPr lang="en-ES" sz="1100" dirty="0"/>
+                        <a:t>15</a:t>
+                      </a:r>
+                    </a:p>
+                  </a:txBody>
+                  <a:tcPr/>
+                </a:tc>
+                <a:extLst>
+                  <a:ext uri="{0D108BD9-81ED-4DB2-BD59-A6C34878D82A}">
+                    <a16:rowId xmlns:a16="http://schemas.microsoft.com/office/drawing/2014/main" val="264362211"/>
+                  </a:ext>
+                </a:extLst>
+              </a:tr>
+              <a:tr h="311597">
+                <a:tc>
+                  <a:txBody>
+                    <a:bodyPr/>
+                    <a:lstStyle/>
+                    <a:p>
+                      <a:pPr algn="ctr"/>
+                      <a:r>
+                        <a:rPr lang="en-ES" sz="1100" dirty="0"/>
+                        <a:t>p30</a:t>
+                      </a:r>
+                    </a:p>
+                  </a:txBody>
+                  <a:tcPr/>
+                </a:tc>
+                <a:tc>
+                  <a:txBody>
+                    <a:bodyPr/>
+                    <a:lstStyle/>
+                    <a:p>
+                      <a:pPr algn="ctr"/>
+                      <a:r>
+                        <a:rPr lang="en-ES" sz="1100" dirty="0"/>
+                        <a:t>1E</a:t>
+                      </a:r>
+                    </a:p>
+                  </a:txBody>
+                  <a:tcPr/>
+                </a:tc>
+                <a:tc>
+                  <a:txBody>
+                    <a:bodyPr/>
+                    <a:lstStyle/>
+                    <a:p>
+                      <a:pPr algn="ctr"/>
+                      <a:r>
+                        <a:rPr lang="en-ES" sz="1100" dirty="0"/>
+                        <a:t>o30</a:t>
+                      </a:r>
+                    </a:p>
+                  </a:txBody>
+                  <a:tcPr/>
+                </a:tc>
+                <a:tc>
+                  <a:txBody>
+                    <a:bodyPr/>
+                    <a:lstStyle/>
+                    <a:p>
+                      <a:pPr algn="ctr"/>
+                      <a:r>
+                        <a:rPr lang="en-ES" sz="1100" dirty="0"/>
+                        <a:t>1F</a:t>
+                      </a:r>
+                    </a:p>
+                  </a:txBody>
+                  <a:tcPr/>
+                </a:tc>
+                <a:extLst>
+                  <a:ext uri="{0D108BD9-81ED-4DB2-BD59-A6C34878D82A}">
+                    <a16:rowId xmlns:a16="http://schemas.microsoft.com/office/drawing/2014/main" val="210011858"/>
+                  </a:ext>
+                </a:extLst>
+              </a:tr>
+              <a:tr h="311597">
+                <a:tc>
+                  <a:txBody>
+                    <a:bodyPr/>
+                    <a:lstStyle/>
+                    <a:p>
+                      <a:pPr algn="ctr"/>
+                      <a:r>
+                        <a:rPr lang="en-ES" sz="1100" dirty="0"/>
+                        <a:t>p31</a:t>
+                      </a:r>
+                    </a:p>
+                  </a:txBody>
+                  <a:tcPr/>
+                </a:tc>
+                <a:tc>
+                  <a:txBody>
+                    <a:bodyPr/>
+                    <a:lstStyle/>
+                    <a:p>
+                      <a:pPr algn="ctr"/>
+                      <a:r>
+                        <a:rPr lang="en-ES" sz="1100" dirty="0"/>
+                        <a:t>1F</a:t>
+                      </a:r>
+                    </a:p>
+                  </a:txBody>
+                  <a:tcPr/>
+                </a:tc>
+                <a:tc>
+                  <a:txBody>
+                    <a:bodyPr/>
+                    <a:lstStyle/>
+                    <a:p>
+                      <a:pPr algn="ctr"/>
+                      <a:r>
+                        <a:rPr lang="en-ES" sz="1100" dirty="0"/>
+                        <a:t>o31</a:t>
+                      </a:r>
+                    </a:p>
+                  </a:txBody>
+                  <a:tcPr/>
+                </a:tc>
+                <a:tc>
+                  <a:txBody>
+                    <a:bodyPr/>
+                    <a:lstStyle/>
+                    <a:p>
+                      <a:pPr algn="ctr"/>
+                      <a:r>
+                        <a:rPr lang="en-ES" sz="1100" dirty="0"/>
+                        <a:t>20</a:t>
+                      </a:r>
+                    </a:p>
+                  </a:txBody>
+                  <a:tcPr/>
+                </a:tc>
+                <a:extLst>
+                  <a:ext uri="{0D108BD9-81ED-4DB2-BD59-A6C34878D82A}">
+                    <a16:rowId xmlns:a16="http://schemas.microsoft.com/office/drawing/2014/main" val="3302077097"/>
+                  </a:ext>
+                </a:extLst>
+              </a:tr>
+              <a:tr h="311597">
+                <a:tc>
+                  <a:txBody>
+                    <a:bodyPr/>
+                    <a:lstStyle/>
+                    <a:p>
+                      <a:pPr algn="ctr"/>
+                      <a:r>
+                        <a:rPr lang="en-ES" sz="1100" dirty="0"/>
+                        <a:t>p32</a:t>
+                      </a:r>
+                    </a:p>
+                  </a:txBody>
+                  <a:tcPr/>
+                </a:tc>
+                <a:tc>
+                  <a:txBody>
+                    <a:bodyPr/>
+                    <a:lstStyle/>
+                    <a:p>
+                      <a:pPr algn="ctr"/>
+                      <a:r>
+                        <a:rPr lang="en-ES" sz="1100" dirty="0"/>
+                        <a:t>20</a:t>
+                      </a:r>
+                    </a:p>
+                  </a:txBody>
+                  <a:tcPr/>
+                </a:tc>
+                <a:tc>
+                  <a:txBody>
+                    <a:bodyPr/>
+                    <a:lstStyle/>
+                    <a:p>
+                      <a:pPr algn="ctr"/>
+                      <a:r>
+                        <a:rPr lang="en-ES" sz="1100" dirty="0"/>
+                        <a:t>o32</a:t>
+                      </a:r>
+                    </a:p>
+                  </a:txBody>
+                  <a:tcPr/>
+                </a:tc>
+                <a:tc>
+                  <a:txBody>
+                    <a:bodyPr/>
+                    <a:lstStyle/>
+                    <a:p>
+                      <a:pPr algn="ctr"/>
+                      <a:r>
+                        <a:rPr lang="en-ES" sz="1100" dirty="0"/>
+                        <a:t>21</a:t>
+                      </a:r>
+                    </a:p>
+                  </a:txBody>
+                  <a:tcPr/>
+                </a:tc>
+                <a:extLst>
+                  <a:ext uri="{0D108BD9-81ED-4DB2-BD59-A6C34878D82A}">
+                    <a16:rowId xmlns:a16="http://schemas.microsoft.com/office/drawing/2014/main" val="1736824"/>
+                  </a:ext>
+                </a:extLst>
+              </a:tr>
+              <a:tr h="311597">
+                <a:tc>
+                  <a:txBody>
+                    <a:bodyPr/>
+                    <a:lstStyle/>
+                    <a:p>
+                      <a:pPr algn="ctr"/>
+                      <a:r>
+                        <a:rPr lang="en-ES" sz="1100" dirty="0"/>
+                        <a:t>p33</a:t>
+                      </a:r>
+                    </a:p>
+                  </a:txBody>
+                  <a:tcPr/>
+                </a:tc>
+                <a:tc>
+                  <a:txBody>
+                    <a:bodyPr/>
+                    <a:lstStyle/>
+                    <a:p>
+                      <a:pPr algn="ctr"/>
+                      <a:r>
+                        <a:rPr lang="en-ES" sz="1100" dirty="0"/>
+                        <a:t>21</a:t>
+                      </a:r>
+                    </a:p>
+                  </a:txBody>
+                  <a:tcPr/>
+                </a:tc>
+                <a:tc>
+                  <a:txBody>
+                    <a:bodyPr/>
+                    <a:lstStyle/>
+                    <a:p>
+                      <a:pPr algn="ctr"/>
+                      <a:r>
+                        <a:rPr lang="en-ES" sz="1100" dirty="0"/>
+                        <a:t>o33</a:t>
+                      </a:r>
+                    </a:p>
+                  </a:txBody>
+                  <a:tcPr/>
+                </a:tc>
+                <a:tc>
+                  <a:txBody>
+                    <a:bodyPr/>
+                    <a:lstStyle/>
+                    <a:p>
+                      <a:pPr algn="ctr"/>
+                      <a:r>
+                        <a:rPr lang="en-ES" sz="1100" dirty="0"/>
+                        <a:t>1E</a:t>
+                      </a:r>
+                    </a:p>
+                  </a:txBody>
+                  <a:tcPr/>
+                </a:tc>
+                <a:extLst>
+                  <a:ext uri="{0D108BD9-81ED-4DB2-BD59-A6C34878D82A}">
+                    <a16:rowId xmlns:a16="http://schemas.microsoft.com/office/drawing/2014/main" val="975224102"/>
+                  </a:ext>
+                </a:extLst>
+              </a:tr>
+            </a:tbl>
+          </a:graphicData>
+        </a:graphic>
+      </p:graphicFrame>
+      <p:cxnSp>
+        <p:nvCxnSpPr>
+          <p:cNvPr id="8" name="Straight Arrow Connector 7">
+            <a:extLst>
+              <a:ext uri="{FF2B5EF4-FFF2-40B4-BE49-F238E27FC236}">
+                <a16:creationId xmlns:a16="http://schemas.microsoft.com/office/drawing/2014/main" id="{2DD79D7C-29A5-1542-9C67-5DB4EE43380A}"/>
+              </a:ext>
+            </a:extLst>
+          </p:cNvPr>
+          <p:cNvCxnSpPr>
+            <a:cxnSpLocks/>
+          </p:cNvCxnSpPr>
+          <p:nvPr/>
+        </p:nvCxnSpPr>
+        <p:spPr>
+          <a:xfrm>
+            <a:off x="5947794" y="2567031"/>
+            <a:ext cx="780177" cy="201336"/>
+          </a:xfrm>
+          <a:prstGeom prst="straightConnector1">
+            <a:avLst/>
+          </a:prstGeom>
+          <a:ln w="28575">
+            <a:tailEnd type="triangle"/>
+          </a:ln>
+        </p:spPr>
+        <p:style>
+          <a:lnRef idx="1">
+            <a:schemeClr val="accent1"/>
+          </a:lnRef>
+          <a:fillRef idx="0">
+            <a:schemeClr val="accent1"/>
+          </a:fillRef>
+          <a:effectRef idx="0">
+            <a:schemeClr val="accent1"/>
+          </a:effectRef>
+          <a:fontRef idx="minor">
+            <a:schemeClr val="tx1"/>
+          </a:fontRef>
+        </p:style>
+      </p:cxnSp>
+      <p:cxnSp>
+        <p:nvCxnSpPr>
+          <p:cNvPr id="10" name="Straight Arrow Connector 9">
+            <a:extLst>
+              <a:ext uri="{FF2B5EF4-FFF2-40B4-BE49-F238E27FC236}">
+                <a16:creationId xmlns:a16="http://schemas.microsoft.com/office/drawing/2014/main" id="{5D9A6038-EDB3-FF4B-9866-AADFFA369510}"/>
+              </a:ext>
+            </a:extLst>
+          </p:cNvPr>
+          <p:cNvCxnSpPr>
+            <a:cxnSpLocks/>
+          </p:cNvCxnSpPr>
+          <p:nvPr/>
+        </p:nvCxnSpPr>
+        <p:spPr>
+          <a:xfrm>
+            <a:off x="5972949" y="2903989"/>
+            <a:ext cx="780177" cy="201336"/>
+          </a:xfrm>
+          <a:prstGeom prst="straightConnector1">
+            <a:avLst/>
+          </a:prstGeom>
+          <a:ln w="28575">
+            <a:tailEnd type="triangle"/>
+          </a:ln>
+        </p:spPr>
+        <p:style>
+          <a:lnRef idx="1">
+            <a:schemeClr val="accent1"/>
+          </a:lnRef>
+          <a:fillRef idx="0">
+            <a:schemeClr val="accent1"/>
+          </a:fillRef>
+          <a:effectRef idx="0">
+            <a:schemeClr val="accent1"/>
+          </a:effectRef>
+          <a:fontRef idx="minor">
+            <a:schemeClr val="tx1"/>
+          </a:fontRef>
+        </p:style>
+      </p:cxnSp>
+      <p:cxnSp>
+        <p:nvCxnSpPr>
+          <p:cNvPr id="11" name="Straight Arrow Connector 10">
+            <a:extLst>
+              <a:ext uri="{FF2B5EF4-FFF2-40B4-BE49-F238E27FC236}">
+                <a16:creationId xmlns:a16="http://schemas.microsoft.com/office/drawing/2014/main" id="{AAA52C27-FF0F-C044-B570-2D8D8E666818}"/>
+              </a:ext>
+            </a:extLst>
+          </p:cNvPr>
+          <p:cNvCxnSpPr>
+            <a:cxnSpLocks/>
+          </p:cNvCxnSpPr>
+          <p:nvPr/>
+        </p:nvCxnSpPr>
+        <p:spPr>
+          <a:xfrm>
+            <a:off x="5947793" y="3778198"/>
+            <a:ext cx="805333" cy="563931"/>
+          </a:xfrm>
+          <a:prstGeom prst="straightConnector1">
+            <a:avLst/>
+          </a:prstGeom>
+          <a:ln w="28575">
+            <a:tailEnd type="triangle"/>
+          </a:ln>
+        </p:spPr>
+        <p:style>
+          <a:lnRef idx="1">
+            <a:schemeClr val="accent1"/>
+          </a:lnRef>
+          <a:fillRef idx="0">
+            <a:schemeClr val="accent1"/>
+          </a:fillRef>
+          <a:effectRef idx="0">
+            <a:schemeClr val="accent1"/>
+          </a:effectRef>
+          <a:fontRef idx="minor">
+            <a:schemeClr val="tx1"/>
+          </a:fontRef>
+        </p:style>
+      </p:cxnSp>
+      <p:cxnSp>
+        <p:nvCxnSpPr>
+          <p:cNvPr id="13" name="Straight Arrow Connector 12">
+            <a:extLst>
+              <a:ext uri="{FF2B5EF4-FFF2-40B4-BE49-F238E27FC236}">
+                <a16:creationId xmlns:a16="http://schemas.microsoft.com/office/drawing/2014/main" id="{4464B8F0-5C86-214C-B86E-B7A7FE1DFBE1}"/>
+              </a:ext>
+            </a:extLst>
+          </p:cNvPr>
+          <p:cNvCxnSpPr>
+            <a:cxnSpLocks/>
+          </p:cNvCxnSpPr>
+          <p:nvPr/>
+        </p:nvCxnSpPr>
+        <p:spPr>
+          <a:xfrm>
+            <a:off x="5922638" y="4089327"/>
+            <a:ext cx="805333" cy="563931"/>
+          </a:xfrm>
+          <a:prstGeom prst="straightConnector1">
+            <a:avLst/>
+          </a:prstGeom>
+          <a:ln w="28575">
+            <a:tailEnd type="triangle"/>
+          </a:ln>
+        </p:spPr>
+        <p:style>
+          <a:lnRef idx="1">
+            <a:schemeClr val="accent1"/>
+          </a:lnRef>
+          <a:fillRef idx="0">
+            <a:schemeClr val="accent1"/>
+          </a:fillRef>
+          <a:effectRef idx="0">
+            <a:schemeClr val="accent1"/>
+          </a:effectRef>
+          <a:fontRef idx="minor">
+            <a:schemeClr val="tx1"/>
+          </a:fontRef>
+        </p:style>
+      </p:cxnSp>
+      <p:cxnSp>
+        <p:nvCxnSpPr>
+          <p:cNvPr id="14" name="Straight Arrow Connector 13">
+            <a:extLst>
+              <a:ext uri="{FF2B5EF4-FFF2-40B4-BE49-F238E27FC236}">
+                <a16:creationId xmlns:a16="http://schemas.microsoft.com/office/drawing/2014/main" id="{383FCB8A-E13A-0A4E-8433-E9B6FA92790F}"/>
+              </a:ext>
+            </a:extLst>
+          </p:cNvPr>
+          <p:cNvCxnSpPr>
+            <a:cxnSpLocks/>
+          </p:cNvCxnSpPr>
+          <p:nvPr/>
+        </p:nvCxnSpPr>
+        <p:spPr>
+          <a:xfrm>
+            <a:off x="5922637" y="5047692"/>
+            <a:ext cx="805334" cy="900889"/>
+          </a:xfrm>
+          <a:prstGeom prst="straightConnector1">
+            <a:avLst/>
+          </a:prstGeom>
+          <a:ln w="28575">
+            <a:tailEnd type="triangle"/>
+          </a:ln>
+        </p:spPr>
+        <p:style>
+          <a:lnRef idx="1">
+            <a:schemeClr val="accent1"/>
+          </a:lnRef>
+          <a:fillRef idx="0">
+            <a:schemeClr val="accent1"/>
+          </a:fillRef>
+          <a:effectRef idx="0">
+            <a:schemeClr val="accent1"/>
+          </a:effectRef>
+          <a:fontRef idx="minor">
+            <a:schemeClr val="tx1"/>
+          </a:fontRef>
+        </p:style>
+      </p:cxnSp>
+      <p:cxnSp>
+        <p:nvCxnSpPr>
+          <p:cNvPr id="16" name="Straight Arrow Connector 15">
+            <a:extLst>
+              <a:ext uri="{FF2B5EF4-FFF2-40B4-BE49-F238E27FC236}">
+                <a16:creationId xmlns:a16="http://schemas.microsoft.com/office/drawing/2014/main" id="{9D55ADFA-280C-8945-8976-D2AF103325D4}"/>
+              </a:ext>
+            </a:extLst>
+          </p:cNvPr>
+          <p:cNvCxnSpPr>
+            <a:cxnSpLocks/>
+          </p:cNvCxnSpPr>
+          <p:nvPr/>
+        </p:nvCxnSpPr>
+        <p:spPr>
+          <a:xfrm>
+            <a:off x="5985526" y="1338056"/>
+            <a:ext cx="755022" cy="0"/>
+          </a:xfrm>
+          <a:prstGeom prst="straightConnector1">
+            <a:avLst/>
+          </a:prstGeom>
+          <a:ln w="28575">
+            <a:tailEnd type="triangle"/>
+          </a:ln>
+        </p:spPr>
+        <p:style>
+          <a:lnRef idx="1">
+            <a:schemeClr val="accent1"/>
+          </a:lnRef>
+          <a:fillRef idx="0">
+            <a:schemeClr val="accent1"/>
+          </a:fillRef>
+          <a:effectRef idx="0">
+            <a:schemeClr val="accent1"/>
+          </a:effectRef>
+          <a:fontRef idx="minor">
+            <a:schemeClr val="tx1"/>
+          </a:fontRef>
+        </p:style>
+      </p:cxnSp>
+      <p:cxnSp>
+        <p:nvCxnSpPr>
+          <p:cNvPr id="18" name="Straight Arrow Connector 17">
+            <a:extLst>
+              <a:ext uri="{FF2B5EF4-FFF2-40B4-BE49-F238E27FC236}">
+                <a16:creationId xmlns:a16="http://schemas.microsoft.com/office/drawing/2014/main" id="{9105C7B9-94C9-3F48-9A22-CDAF0D73CBBA}"/>
+              </a:ext>
+            </a:extLst>
+          </p:cNvPr>
+          <p:cNvCxnSpPr>
+            <a:cxnSpLocks/>
+          </p:cNvCxnSpPr>
+          <p:nvPr/>
+        </p:nvCxnSpPr>
+        <p:spPr>
+          <a:xfrm>
+            <a:off x="5998104" y="1649847"/>
+            <a:ext cx="755022" cy="0"/>
+          </a:xfrm>
+          <a:prstGeom prst="straightConnector1">
+            <a:avLst/>
+          </a:prstGeom>
+          <a:ln w="28575">
+            <a:tailEnd type="triangle"/>
+          </a:ln>
+        </p:spPr>
+        <p:style>
+          <a:lnRef idx="1">
+            <a:schemeClr val="accent1"/>
+          </a:lnRef>
+          <a:fillRef idx="0">
+            <a:schemeClr val="accent1"/>
+          </a:fillRef>
+          <a:effectRef idx="0">
+            <a:schemeClr val="accent1"/>
+          </a:effectRef>
+          <a:fontRef idx="minor">
+            <a:schemeClr val="tx1"/>
+          </a:fontRef>
+        </p:style>
+      </p:cxnSp>
+    </p:spTree>
+    <p:extLst>
+      <p:ext uri="{BB962C8B-B14F-4D97-AF65-F5344CB8AC3E}">
+        <p14:creationId xmlns:p14="http://schemas.microsoft.com/office/powerpoint/2010/main" val="2090089813"/>
+      </p:ext>
+    </p:extLst>
+  </p:cSld>
+  <p:clrMapOvr>
+    <a:masterClrMapping/>
+  </p:clrMapOvr>
+</p:sld>
+</file>
+
+<file path=ppt/slides/slide11.xml><?xml version="1.0" encoding="utf-8"?>
+<p:sld xmlns:a="http://schemas.openxmlformats.org/drawingml/2006/main" xmlns:r="http://schemas.openxmlformats.org/officeDocument/2006/relationships" xmlns:p="http://schemas.openxmlformats.org/presentationml/2006/main">
+  <p:cSld>
+    <p:spTree>
+      <p:nvGrpSpPr>
+        <p:cNvPr id="1" name=""/>
+        <p:cNvGrpSpPr/>
+        <p:nvPr/>
+      </p:nvGrpSpPr>
+      <p:grpSpPr>
+        <a:xfrm>
+          <a:off x="0" y="0"/>
+          <a:ext cx="0" cy="0"/>
+          <a:chOff x="0" y="0"/>
+          <a:chExt cx="0" cy="0"/>
+        </a:xfrm>
+      </p:grpSpPr>
       <p:pic>
         <p:nvPicPr>
           <p:cNvPr id="5" name="Picture 4" descr="Chart, box and whisker chart&#10;&#10;Description automatically generated">
@@ -3606,6 +5093,823 @@
     <p:extLst>
       <p:ext uri="{BB962C8B-B14F-4D97-AF65-F5344CB8AC3E}">
         <p14:creationId xmlns:p14="http://schemas.microsoft.com/office/powerpoint/2010/main" val="1624071042"/>
+      </p:ext>
+    </p:extLst>
+  </p:cSld>
+  <p:clrMapOvr>
+    <a:masterClrMapping/>
+  </p:clrMapOvr>
+</p:sld>
+</file>
+
+<file path=ppt/slides/slide12.xml><?xml version="1.0" encoding="utf-8"?>
+<p:sld xmlns:a="http://schemas.openxmlformats.org/drawingml/2006/main" xmlns:r="http://schemas.openxmlformats.org/officeDocument/2006/relationships" xmlns:p="http://schemas.openxmlformats.org/presentationml/2006/main">
+  <p:cSld>
+    <p:spTree>
+      <p:nvGrpSpPr>
+        <p:cNvPr id="1" name=""/>
+        <p:cNvGrpSpPr/>
+        <p:nvPr/>
+      </p:nvGrpSpPr>
+      <p:grpSpPr>
+        <a:xfrm>
+          <a:off x="0" y="0"/>
+          <a:ext cx="0" cy="0"/>
+          <a:chOff x="0" y="0"/>
+          <a:chExt cx="0" cy="0"/>
+        </a:xfrm>
+      </p:grpSpPr>
+      <p:sp>
+        <p:nvSpPr>
+          <p:cNvPr id="2" name="Title 1">
+            <a:extLst>
+              <a:ext uri="{FF2B5EF4-FFF2-40B4-BE49-F238E27FC236}">
+                <a16:creationId xmlns:a16="http://schemas.microsoft.com/office/drawing/2014/main" id="{D6C80BC8-CABD-3940-AA27-67137451F128}"/>
+              </a:ext>
+            </a:extLst>
+          </p:cNvPr>
+          <p:cNvSpPr>
+            <a:spLocks noGrp="1"/>
+          </p:cNvSpPr>
+          <p:nvPr>
+            <p:ph type="title"/>
+          </p:nvPr>
+        </p:nvSpPr>
+        <p:spPr/>
+        <p:txBody>
+          <a:bodyPr/>
+          <a:lstStyle/>
+          <a:p>
+            <a:pPr algn="ctr"/>
+            <a:r>
+              <a:rPr lang="en-GB" dirty="0"/>
+              <a:t>t</a:t>
+            </a:r>
+            <a:r>
+              <a:rPr lang="en-ES" dirty="0"/>
+              <a:t>b: SUCCESSFUL	</a:t>
+            </a:r>
+          </a:p>
+        </p:txBody>
+      </p:sp>
+      <p:graphicFrame>
+        <p:nvGraphicFramePr>
+          <p:cNvPr id="4" name="Table 4">
+            <a:extLst>
+              <a:ext uri="{FF2B5EF4-FFF2-40B4-BE49-F238E27FC236}">
+                <a16:creationId xmlns:a16="http://schemas.microsoft.com/office/drawing/2014/main" id="{922856D4-19D6-A147-A90A-3FA4F48B8E0A}"/>
+              </a:ext>
+            </a:extLst>
+          </p:cNvPr>
+          <p:cNvGraphicFramePr>
+            <a:graphicFrameLocks noGrp="1"/>
+          </p:cNvGraphicFramePr>
+          <p:nvPr>
+            <p:extLst>
+              <p:ext uri="{D42A27DB-BD31-4B8C-83A1-F6EECF244321}">
+                <p14:modId xmlns:p14="http://schemas.microsoft.com/office/powerpoint/2010/main" val="2875138211"/>
+              </p:ext>
+            </p:extLst>
+          </p:nvPr>
+        </p:nvGraphicFramePr>
+        <p:xfrm>
+          <a:off x="4824248" y="2687320"/>
+          <a:ext cx="2543504" cy="1483360"/>
+        </p:xfrm>
+        <a:graphic>
+          <a:graphicData uri="http://schemas.openxmlformats.org/drawingml/2006/table">
+            <a:tbl>
+              <a:tblPr firstRow="1" bandRow="1">
+                <a:tableStyleId>{5940675A-B579-460E-94D1-54222C63F5DA}</a:tableStyleId>
+              </a:tblPr>
+              <a:tblGrid>
+                <a:gridCol w="635876">
+                  <a:extLst>
+                    <a:ext uri="{9D8B030D-6E8A-4147-A177-3AD203B41FA5}">
+                      <a16:colId xmlns:a16="http://schemas.microsoft.com/office/drawing/2014/main" val="1662280977"/>
+                    </a:ext>
+                  </a:extLst>
+                </a:gridCol>
+                <a:gridCol w="635876">
+                  <a:extLst>
+                    <a:ext uri="{9D8B030D-6E8A-4147-A177-3AD203B41FA5}">
+                      <a16:colId xmlns:a16="http://schemas.microsoft.com/office/drawing/2014/main" val="1405832789"/>
+                    </a:ext>
+                  </a:extLst>
+                </a:gridCol>
+                <a:gridCol w="635876">
+                  <a:extLst>
+                    <a:ext uri="{9D8B030D-6E8A-4147-A177-3AD203B41FA5}">
+                      <a16:colId xmlns:a16="http://schemas.microsoft.com/office/drawing/2014/main" val="1506136685"/>
+                    </a:ext>
+                  </a:extLst>
+                </a:gridCol>
+                <a:gridCol w="635876">
+                  <a:extLst>
+                    <a:ext uri="{9D8B030D-6E8A-4147-A177-3AD203B41FA5}">
+                      <a16:colId xmlns:a16="http://schemas.microsoft.com/office/drawing/2014/main" val="2026584891"/>
+                    </a:ext>
+                  </a:extLst>
+                </a:gridCol>
+              </a:tblGrid>
+              <a:tr h="370840">
+                <a:tc>
+                  <a:txBody>
+                    <a:bodyPr/>
+                    <a:lstStyle/>
+                    <a:p>
+                      <a:pPr algn="ctr"/>
+                      <a:r>
+                        <a:rPr lang="en-GB" dirty="0"/>
+                        <a:t>p</a:t>
+                      </a:r>
+                      <a:r>
+                        <a:rPr lang="en-ES" dirty="0"/>
+                        <a:t>00</a:t>
+                      </a:r>
+                    </a:p>
+                  </a:txBody>
+                  <a:tcPr/>
+                </a:tc>
+                <a:tc>
+                  <a:txBody>
+                    <a:bodyPr/>
+                    <a:lstStyle/>
+                    <a:p>
+                      <a:pPr algn="ctr"/>
+                      <a:r>
+                        <a:rPr lang="en-ES" dirty="0"/>
+                        <a:t>00</a:t>
+                      </a:r>
+                    </a:p>
+                  </a:txBody>
+                  <a:tcPr/>
+                </a:tc>
+                <a:tc>
+                  <a:txBody>
+                    <a:bodyPr/>
+                    <a:lstStyle/>
+                    <a:p>
+                      <a:pPr algn="ctr"/>
+                      <a:r>
+                        <a:rPr lang="en-ES" dirty="0"/>
+                        <a:t>o00</a:t>
+                      </a:r>
+                    </a:p>
+                  </a:txBody>
+                  <a:tcPr/>
+                </a:tc>
+                <a:tc>
+                  <a:txBody>
+                    <a:bodyPr/>
+                    <a:lstStyle/>
+                    <a:p>
+                      <a:pPr algn="ctr"/>
+                      <a:r>
+                        <a:rPr lang="en-ES" dirty="0"/>
+                        <a:t>01</a:t>
+                      </a:r>
+                    </a:p>
+                  </a:txBody>
+                  <a:tcPr/>
+                </a:tc>
+                <a:extLst>
+                  <a:ext uri="{0D108BD9-81ED-4DB2-BD59-A6C34878D82A}">
+                    <a16:rowId xmlns:a16="http://schemas.microsoft.com/office/drawing/2014/main" val="1430210086"/>
+                  </a:ext>
+                </a:extLst>
+              </a:tr>
+              <a:tr h="370840">
+                <a:tc>
+                  <a:txBody>
+                    <a:bodyPr/>
+                    <a:lstStyle/>
+                    <a:p>
+                      <a:pPr algn="ctr"/>
+                      <a:r>
+                        <a:rPr lang="en-ES" dirty="0"/>
+                        <a:t>p01</a:t>
+                      </a:r>
+                    </a:p>
+                  </a:txBody>
+                  <a:tcPr/>
+                </a:tc>
+                <a:tc>
+                  <a:txBody>
+                    <a:bodyPr/>
+                    <a:lstStyle/>
+                    <a:p>
+                      <a:pPr algn="ctr"/>
+                      <a:r>
+                        <a:rPr lang="en-ES" dirty="0"/>
+                        <a:t>01</a:t>
+                      </a:r>
+                    </a:p>
+                  </a:txBody>
+                  <a:tcPr/>
+                </a:tc>
+                <a:tc>
+                  <a:txBody>
+                    <a:bodyPr/>
+                    <a:lstStyle/>
+                    <a:p>
+                      <a:pPr algn="ctr"/>
+                      <a:r>
+                        <a:rPr lang="en-ES" dirty="0"/>
+                        <a:t>o01</a:t>
+                      </a:r>
+                    </a:p>
+                  </a:txBody>
+                  <a:tcPr/>
+                </a:tc>
+                <a:tc>
+                  <a:txBody>
+                    <a:bodyPr/>
+                    <a:lstStyle/>
+                    <a:p>
+                      <a:pPr algn="ctr"/>
+                      <a:r>
+                        <a:rPr lang="en-ES" dirty="0"/>
+                        <a:t>02</a:t>
+                      </a:r>
+                    </a:p>
+                  </a:txBody>
+                  <a:tcPr/>
+                </a:tc>
+                <a:extLst>
+                  <a:ext uri="{0D108BD9-81ED-4DB2-BD59-A6C34878D82A}">
+                    <a16:rowId xmlns:a16="http://schemas.microsoft.com/office/drawing/2014/main" val="1700895064"/>
+                  </a:ext>
+                </a:extLst>
+              </a:tr>
+              <a:tr h="370840">
+                <a:tc>
+                  <a:txBody>
+                    <a:bodyPr/>
+                    <a:lstStyle/>
+                    <a:p>
+                      <a:pPr algn="ctr"/>
+                      <a:r>
+                        <a:rPr lang="en-ES" dirty="0"/>
+                        <a:t>p02</a:t>
+                      </a:r>
+                    </a:p>
+                  </a:txBody>
+                  <a:tcPr/>
+                </a:tc>
+                <a:tc>
+                  <a:txBody>
+                    <a:bodyPr/>
+                    <a:lstStyle/>
+                    <a:p>
+                      <a:pPr algn="ctr"/>
+                      <a:r>
+                        <a:rPr lang="en-ES" dirty="0"/>
+                        <a:t>02</a:t>
+                      </a:r>
+                    </a:p>
+                  </a:txBody>
+                  <a:tcPr/>
+                </a:tc>
+                <a:tc>
+                  <a:txBody>
+                    <a:bodyPr/>
+                    <a:lstStyle/>
+                    <a:p>
+                      <a:pPr algn="ctr"/>
+                      <a:r>
+                        <a:rPr lang="en-ES" dirty="0"/>
+                        <a:t>o02</a:t>
+                      </a:r>
+                    </a:p>
+                  </a:txBody>
+                  <a:tcPr/>
+                </a:tc>
+                <a:tc>
+                  <a:txBody>
+                    <a:bodyPr/>
+                    <a:lstStyle/>
+                    <a:p>
+                      <a:pPr algn="ctr"/>
+                      <a:r>
+                        <a:rPr lang="en-ES" dirty="0"/>
+                        <a:t>03</a:t>
+                      </a:r>
+                    </a:p>
+                  </a:txBody>
+                  <a:tcPr/>
+                </a:tc>
+                <a:extLst>
+                  <a:ext uri="{0D108BD9-81ED-4DB2-BD59-A6C34878D82A}">
+                    <a16:rowId xmlns:a16="http://schemas.microsoft.com/office/drawing/2014/main" val="2093257245"/>
+                  </a:ext>
+                </a:extLst>
+              </a:tr>
+              <a:tr h="370840">
+                <a:tc>
+                  <a:txBody>
+                    <a:bodyPr/>
+                    <a:lstStyle/>
+                    <a:p>
+                      <a:pPr algn="ctr"/>
+                      <a:r>
+                        <a:rPr lang="en-ES" dirty="0"/>
+                        <a:t>p03</a:t>
+                      </a:r>
+                    </a:p>
+                  </a:txBody>
+                  <a:tcPr/>
+                </a:tc>
+                <a:tc>
+                  <a:txBody>
+                    <a:bodyPr/>
+                    <a:lstStyle/>
+                    <a:p>
+                      <a:pPr algn="ctr"/>
+                      <a:r>
+                        <a:rPr lang="en-ES" dirty="0"/>
+                        <a:t>03</a:t>
+                      </a:r>
+                    </a:p>
+                  </a:txBody>
+                  <a:tcPr/>
+                </a:tc>
+                <a:tc>
+                  <a:txBody>
+                    <a:bodyPr/>
+                    <a:lstStyle/>
+                    <a:p>
+                      <a:pPr algn="ctr"/>
+                      <a:r>
+                        <a:rPr lang="en-ES" dirty="0"/>
+                        <a:t>o03</a:t>
+                      </a:r>
+                    </a:p>
+                  </a:txBody>
+                  <a:tcPr/>
+                </a:tc>
+                <a:tc>
+                  <a:txBody>
+                    <a:bodyPr/>
+                    <a:lstStyle/>
+                    <a:p>
+                      <a:pPr algn="ctr"/>
+                      <a:r>
+                        <a:rPr lang="en-ES" dirty="0"/>
+                        <a:t>00</a:t>
+                      </a:r>
+                    </a:p>
+                  </a:txBody>
+                  <a:tcPr/>
+                </a:tc>
+                <a:extLst>
+                  <a:ext uri="{0D108BD9-81ED-4DB2-BD59-A6C34878D82A}">
+                    <a16:rowId xmlns:a16="http://schemas.microsoft.com/office/drawing/2014/main" val="3208958656"/>
+                  </a:ext>
+                </a:extLst>
+              </a:tr>
+            </a:tbl>
+          </a:graphicData>
+        </a:graphic>
+      </p:graphicFrame>
+      <p:pic>
+        <p:nvPicPr>
+          <p:cNvPr id="6" name="Picture 5">
+            <a:extLst>
+              <a:ext uri="{FF2B5EF4-FFF2-40B4-BE49-F238E27FC236}">
+                <a16:creationId xmlns:a16="http://schemas.microsoft.com/office/drawing/2014/main" id="{6165C65C-FBDF-6741-AD75-EF57B649F65E}"/>
+              </a:ext>
+            </a:extLst>
+          </p:cNvPr>
+          <p:cNvPicPr>
+            <a:picLocks noChangeAspect="1"/>
+          </p:cNvPicPr>
+          <p:nvPr/>
+        </p:nvPicPr>
+        <p:blipFill>
+          <a:blip r:embed="rId2"/>
+          <a:stretch>
+            <a:fillRect/>
+          </a:stretch>
+        </p:blipFill>
+        <p:spPr>
+          <a:xfrm>
+            <a:off x="647481" y="2901950"/>
+            <a:ext cx="3644900" cy="1054100"/>
+          </a:xfrm>
+          <a:prstGeom prst="rect">
+            <a:avLst/>
+          </a:prstGeom>
+        </p:spPr>
+      </p:pic>
+      <p:pic>
+        <p:nvPicPr>
+          <p:cNvPr id="7" name="Picture 6">
+            <a:extLst>
+              <a:ext uri="{FF2B5EF4-FFF2-40B4-BE49-F238E27FC236}">
+                <a16:creationId xmlns:a16="http://schemas.microsoft.com/office/drawing/2014/main" id="{036287D8-6E7D-1E41-AA34-8872C01479FC}"/>
+              </a:ext>
+            </a:extLst>
+          </p:cNvPr>
+          <p:cNvPicPr>
+            <a:picLocks noChangeAspect="1"/>
+          </p:cNvPicPr>
+          <p:nvPr/>
+        </p:nvPicPr>
+        <p:blipFill>
+          <a:blip r:embed="rId3"/>
+          <a:stretch>
+            <a:fillRect/>
+          </a:stretch>
+        </p:blipFill>
+        <p:spPr>
+          <a:xfrm>
+            <a:off x="7899619" y="2559050"/>
+            <a:ext cx="3644900" cy="1739900"/>
+          </a:xfrm>
+          <a:prstGeom prst="rect">
+            <a:avLst/>
+          </a:prstGeom>
+        </p:spPr>
+      </p:pic>
+      <p:sp>
+        <p:nvSpPr>
+          <p:cNvPr id="12" name="Freeform 11">
+            <a:extLst>
+              <a:ext uri="{FF2B5EF4-FFF2-40B4-BE49-F238E27FC236}">
+                <a16:creationId xmlns:a16="http://schemas.microsoft.com/office/drawing/2014/main" id="{F16B312A-7369-E54C-9E2D-5F7E8DA9AB64}"/>
+              </a:ext>
+            </a:extLst>
+          </p:cNvPr>
+          <p:cNvSpPr/>
+          <p:nvPr/>
+        </p:nvSpPr>
+        <p:spPr>
+          <a:xfrm>
+            <a:off x="7367752" y="3184634"/>
+            <a:ext cx="320614" cy="483476"/>
+          </a:xfrm>
+          <a:custGeom>
+            <a:avLst/>
+            <a:gdLst>
+              <a:gd name="connsiteX0" fmla="*/ 10510 w 241757"/>
+              <a:gd name="connsiteY0" fmla="*/ 483476 h 483476"/>
+              <a:gd name="connsiteX1" fmla="*/ 241738 w 241757"/>
+              <a:gd name="connsiteY1" fmla="*/ 168166 h 483476"/>
+              <a:gd name="connsiteX2" fmla="*/ 0 w 241757"/>
+              <a:gd name="connsiteY2" fmla="*/ 0 h 483476"/>
+            </a:gdLst>
+            <a:ahLst/>
+            <a:cxnLst>
+              <a:cxn ang="0">
+                <a:pos x="connsiteX0" y="connsiteY0"/>
+              </a:cxn>
+              <a:cxn ang="0">
+                <a:pos x="connsiteX1" y="connsiteY1"/>
+              </a:cxn>
+              <a:cxn ang="0">
+                <a:pos x="connsiteX2" y="connsiteY2"/>
+              </a:cxn>
+            </a:cxnLst>
+            <a:rect l="l" t="t" r="r" b="b"/>
+            <a:pathLst>
+              <a:path w="241757" h="483476">
+                <a:moveTo>
+                  <a:pt x="10510" y="483476"/>
+                </a:moveTo>
+                <a:cubicBezTo>
+                  <a:pt x="127000" y="366110"/>
+                  <a:pt x="243490" y="248745"/>
+                  <a:pt x="241738" y="168166"/>
+                </a:cubicBezTo>
+                <a:cubicBezTo>
+                  <a:pt x="239986" y="87587"/>
+                  <a:pt x="119993" y="43793"/>
+                  <a:pt x="0" y="0"/>
+                </a:cubicBezTo>
+              </a:path>
+            </a:pathLst>
+          </a:custGeom>
+          <a:ln w="19050" cap="flat" cmpd="sng" algn="ctr">
+            <a:solidFill>
+              <a:schemeClr val="accent1"/>
+            </a:solidFill>
+            <a:prstDash val="solid"/>
+            <a:round/>
+            <a:headEnd type="none" w="med" len="med"/>
+            <a:tailEnd type="arrow" w="med" len="med"/>
+          </a:ln>
+        </p:spPr>
+        <p:style>
+          <a:lnRef idx="0">
+            <a:scrgbClr r="0" g="0" b="0"/>
+          </a:lnRef>
+          <a:fillRef idx="0">
+            <a:scrgbClr r="0" g="0" b="0"/>
+          </a:fillRef>
+          <a:effectRef idx="0">
+            <a:scrgbClr r="0" g="0" b="0"/>
+          </a:effectRef>
+          <a:fontRef idx="minor">
+            <a:schemeClr val="tx1"/>
+          </a:fontRef>
+        </p:style>
+        <p:txBody>
+          <a:bodyPr rtlCol="0" anchor="ctr"/>
+          <a:lstStyle/>
+          <a:p>
+            <a:pPr algn="ctr"/>
+            <a:endParaRPr lang="en-ES"/>
+          </a:p>
+        </p:txBody>
+      </p:sp>
+      <p:sp>
+        <p:nvSpPr>
+          <p:cNvPr id="13" name="Freeform 12">
+            <a:extLst>
+              <a:ext uri="{FF2B5EF4-FFF2-40B4-BE49-F238E27FC236}">
+                <a16:creationId xmlns:a16="http://schemas.microsoft.com/office/drawing/2014/main" id="{A44A2543-4073-7A40-9B3C-A2DCAC80466B}"/>
+              </a:ext>
+            </a:extLst>
+          </p:cNvPr>
+          <p:cNvSpPr/>
+          <p:nvPr/>
+        </p:nvSpPr>
+        <p:spPr>
+          <a:xfrm>
+            <a:off x="7399284" y="2816772"/>
+            <a:ext cx="289082" cy="367862"/>
+          </a:xfrm>
+          <a:custGeom>
+            <a:avLst/>
+            <a:gdLst>
+              <a:gd name="connsiteX0" fmla="*/ 10510 w 241757"/>
+              <a:gd name="connsiteY0" fmla="*/ 483476 h 483476"/>
+              <a:gd name="connsiteX1" fmla="*/ 241738 w 241757"/>
+              <a:gd name="connsiteY1" fmla="*/ 168166 h 483476"/>
+              <a:gd name="connsiteX2" fmla="*/ 0 w 241757"/>
+              <a:gd name="connsiteY2" fmla="*/ 0 h 483476"/>
+            </a:gdLst>
+            <a:ahLst/>
+            <a:cxnLst>
+              <a:cxn ang="0">
+                <a:pos x="connsiteX0" y="connsiteY0"/>
+              </a:cxn>
+              <a:cxn ang="0">
+                <a:pos x="connsiteX1" y="connsiteY1"/>
+              </a:cxn>
+              <a:cxn ang="0">
+                <a:pos x="connsiteX2" y="connsiteY2"/>
+              </a:cxn>
+            </a:cxnLst>
+            <a:rect l="l" t="t" r="r" b="b"/>
+            <a:pathLst>
+              <a:path w="241757" h="483476">
+                <a:moveTo>
+                  <a:pt x="10510" y="483476"/>
+                </a:moveTo>
+                <a:cubicBezTo>
+                  <a:pt x="127000" y="366110"/>
+                  <a:pt x="243490" y="248745"/>
+                  <a:pt x="241738" y="168166"/>
+                </a:cubicBezTo>
+                <a:cubicBezTo>
+                  <a:pt x="239986" y="87587"/>
+                  <a:pt x="119993" y="43793"/>
+                  <a:pt x="0" y="0"/>
+                </a:cubicBezTo>
+              </a:path>
+            </a:pathLst>
+          </a:custGeom>
+          <a:ln w="19050" cap="flat" cmpd="sng" algn="ctr">
+            <a:solidFill>
+              <a:schemeClr val="accent1"/>
+            </a:solidFill>
+            <a:prstDash val="solid"/>
+            <a:round/>
+            <a:headEnd type="none" w="med" len="med"/>
+            <a:tailEnd type="arrow" w="med" len="med"/>
+          </a:ln>
+        </p:spPr>
+        <p:style>
+          <a:lnRef idx="0">
+            <a:scrgbClr r="0" g="0" b="0"/>
+          </a:lnRef>
+          <a:fillRef idx="0">
+            <a:scrgbClr r="0" g="0" b="0"/>
+          </a:fillRef>
+          <a:effectRef idx="0">
+            <a:scrgbClr r="0" g="0" b="0"/>
+          </a:effectRef>
+          <a:fontRef idx="minor">
+            <a:schemeClr val="tx1"/>
+          </a:fontRef>
+        </p:style>
+        <p:txBody>
+          <a:bodyPr rtlCol="0" anchor="ctr"/>
+          <a:lstStyle/>
+          <a:p>
+            <a:pPr algn="ctr"/>
+            <a:endParaRPr lang="en-ES"/>
+          </a:p>
+        </p:txBody>
+      </p:sp>
+      <p:sp>
+        <p:nvSpPr>
+          <p:cNvPr id="14" name="Freeform 13">
+            <a:extLst>
+              <a:ext uri="{FF2B5EF4-FFF2-40B4-BE49-F238E27FC236}">
+                <a16:creationId xmlns:a16="http://schemas.microsoft.com/office/drawing/2014/main" id="{F68D2ACA-D77B-A14B-A355-0F7CF6342278}"/>
+              </a:ext>
+            </a:extLst>
+          </p:cNvPr>
+          <p:cNvSpPr/>
+          <p:nvPr/>
+        </p:nvSpPr>
+        <p:spPr>
+          <a:xfrm>
+            <a:off x="7399284" y="3668110"/>
+            <a:ext cx="289082" cy="367862"/>
+          </a:xfrm>
+          <a:custGeom>
+            <a:avLst/>
+            <a:gdLst>
+              <a:gd name="connsiteX0" fmla="*/ 10510 w 241757"/>
+              <a:gd name="connsiteY0" fmla="*/ 483476 h 483476"/>
+              <a:gd name="connsiteX1" fmla="*/ 241738 w 241757"/>
+              <a:gd name="connsiteY1" fmla="*/ 168166 h 483476"/>
+              <a:gd name="connsiteX2" fmla="*/ 0 w 241757"/>
+              <a:gd name="connsiteY2" fmla="*/ 0 h 483476"/>
+            </a:gdLst>
+            <a:ahLst/>
+            <a:cxnLst>
+              <a:cxn ang="0">
+                <a:pos x="connsiteX0" y="connsiteY0"/>
+              </a:cxn>
+              <a:cxn ang="0">
+                <a:pos x="connsiteX1" y="connsiteY1"/>
+              </a:cxn>
+              <a:cxn ang="0">
+                <a:pos x="connsiteX2" y="connsiteY2"/>
+              </a:cxn>
+            </a:cxnLst>
+            <a:rect l="l" t="t" r="r" b="b"/>
+            <a:pathLst>
+              <a:path w="241757" h="483476">
+                <a:moveTo>
+                  <a:pt x="10510" y="483476"/>
+                </a:moveTo>
+                <a:cubicBezTo>
+                  <a:pt x="127000" y="366110"/>
+                  <a:pt x="243490" y="248745"/>
+                  <a:pt x="241738" y="168166"/>
+                </a:cubicBezTo>
+                <a:cubicBezTo>
+                  <a:pt x="239986" y="87587"/>
+                  <a:pt x="119993" y="43793"/>
+                  <a:pt x="0" y="0"/>
+                </a:cubicBezTo>
+              </a:path>
+            </a:pathLst>
+          </a:custGeom>
+          <a:ln w="19050" cap="flat" cmpd="sng" algn="ctr">
+            <a:solidFill>
+              <a:schemeClr val="accent1"/>
+            </a:solidFill>
+            <a:prstDash val="solid"/>
+            <a:round/>
+            <a:headEnd type="none" w="med" len="med"/>
+            <a:tailEnd type="arrow" w="med" len="med"/>
+          </a:ln>
+        </p:spPr>
+        <p:style>
+          <a:lnRef idx="0">
+            <a:scrgbClr r="0" g="0" b="0"/>
+          </a:lnRef>
+          <a:fillRef idx="0">
+            <a:scrgbClr r="0" g="0" b="0"/>
+          </a:fillRef>
+          <a:effectRef idx="0">
+            <a:scrgbClr r="0" g="0" b="0"/>
+          </a:effectRef>
+          <a:fontRef idx="minor">
+            <a:schemeClr val="tx1"/>
+          </a:fontRef>
+        </p:style>
+        <p:txBody>
+          <a:bodyPr rtlCol="0" anchor="ctr"/>
+          <a:lstStyle/>
+          <a:p>
+            <a:pPr algn="ctr"/>
+            <a:endParaRPr lang="en-ES"/>
+          </a:p>
+        </p:txBody>
+      </p:sp>
+      <p:sp>
+        <p:nvSpPr>
+          <p:cNvPr id="17" name="Freeform 16">
+            <a:extLst>
+              <a:ext uri="{FF2B5EF4-FFF2-40B4-BE49-F238E27FC236}">
+                <a16:creationId xmlns:a16="http://schemas.microsoft.com/office/drawing/2014/main" id="{C97C364B-BC8F-694D-BF7C-C32B742C0A36}"/>
+              </a:ext>
+            </a:extLst>
+          </p:cNvPr>
+          <p:cNvSpPr/>
+          <p:nvPr/>
+        </p:nvSpPr>
+        <p:spPr>
+          <a:xfrm flipH="1">
+            <a:off x="6800193" y="2901951"/>
+            <a:ext cx="105103" cy="1054100"/>
+          </a:xfrm>
+          <a:custGeom>
+            <a:avLst/>
+            <a:gdLst>
+              <a:gd name="connsiteX0" fmla="*/ 46258 w 498242"/>
+              <a:gd name="connsiteY0" fmla="*/ 0 h 1433689"/>
+              <a:gd name="connsiteX1" fmla="*/ 498203 w 498242"/>
+              <a:gd name="connsiteY1" fmla="*/ 819807 h 1433689"/>
+              <a:gd name="connsiteX2" fmla="*/ 25237 w 498242"/>
+              <a:gd name="connsiteY2" fmla="*/ 1397876 h 1433689"/>
+              <a:gd name="connsiteX3" fmla="*/ 35748 w 498242"/>
+              <a:gd name="connsiteY3" fmla="*/ 1429407 h 1433689"/>
+            </a:gdLst>
+            <a:ahLst/>
+            <a:cxnLst>
+              <a:cxn ang="0">
+                <a:pos x="connsiteX0" y="connsiteY0"/>
+              </a:cxn>
+              <a:cxn ang="0">
+                <a:pos x="connsiteX1" y="connsiteY1"/>
+              </a:cxn>
+              <a:cxn ang="0">
+                <a:pos x="connsiteX2" y="connsiteY2"/>
+              </a:cxn>
+              <a:cxn ang="0">
+                <a:pos x="connsiteX3" y="connsiteY3"/>
+              </a:cxn>
+            </a:cxnLst>
+            <a:rect l="l" t="t" r="r" b="b"/>
+            <a:pathLst>
+              <a:path w="498242" h="1433689">
+                <a:moveTo>
+                  <a:pt x="46258" y="0"/>
+                </a:moveTo>
+                <a:cubicBezTo>
+                  <a:pt x="273982" y="293414"/>
+                  <a:pt x="501707" y="586828"/>
+                  <a:pt x="498203" y="819807"/>
+                </a:cubicBezTo>
+                <a:cubicBezTo>
+                  <a:pt x="494700" y="1052786"/>
+                  <a:pt x="102313" y="1296276"/>
+                  <a:pt x="25237" y="1397876"/>
+                </a:cubicBezTo>
+                <a:cubicBezTo>
+                  <a:pt x="-51839" y="1499476"/>
+                  <a:pt x="76038" y="1343572"/>
+                  <a:pt x="35748" y="1429407"/>
+                </a:cubicBezTo>
+              </a:path>
+            </a:pathLst>
+          </a:custGeom>
+          <a:ln w="19050" cap="flat" cmpd="sng" algn="ctr">
+            <a:solidFill>
+              <a:schemeClr val="accent1"/>
+            </a:solidFill>
+            <a:prstDash val="solid"/>
+            <a:round/>
+            <a:headEnd type="none" w="med" len="med"/>
+            <a:tailEnd type="arrow" w="med" len="med"/>
+          </a:ln>
+        </p:spPr>
+        <p:style>
+          <a:lnRef idx="0">
+            <a:scrgbClr r="0" g="0" b="0"/>
+          </a:lnRef>
+          <a:fillRef idx="0">
+            <a:scrgbClr r="0" g="0" b="0"/>
+          </a:fillRef>
+          <a:effectRef idx="0">
+            <a:scrgbClr r="0" g="0" b="0"/>
+          </a:effectRef>
+          <a:fontRef idx="minor">
+            <a:schemeClr val="tx1"/>
+          </a:fontRef>
+        </p:style>
+        <p:txBody>
+          <a:bodyPr rtlCol="0" anchor="ctr"/>
+          <a:lstStyle/>
+          <a:p>
+            <a:pPr algn="ctr"/>
+            <a:endParaRPr lang="en-ES"/>
+          </a:p>
+        </p:txBody>
+      </p:sp>
+    </p:spTree>
+    <p:extLst>
+      <p:ext uri="{BB962C8B-B14F-4D97-AF65-F5344CB8AC3E}">
+        <p14:creationId xmlns:p14="http://schemas.microsoft.com/office/powerpoint/2010/main" val="514994113"/>
       </p:ext>
     </p:extLst>
   </p:cSld>
@@ -12212,42 +14516,12 @@
           <a:chExt cx="0" cy="0"/>
         </a:xfrm>
       </p:grpSpPr>
-      <p:pic>
-        <p:nvPicPr>
-          <p:cNvPr id="4" name="Picture 3" descr="Chart&#10;&#10;Description automatically generated">
-            <a:extLst>
-              <a:ext uri="{FF2B5EF4-FFF2-40B4-BE49-F238E27FC236}">
-                <a16:creationId xmlns:a16="http://schemas.microsoft.com/office/drawing/2014/main" id="{B2780A5F-A686-454E-A79C-2819FF0A229B}"/>
-              </a:ext>
-            </a:extLst>
-          </p:cNvPr>
-          <p:cNvPicPr>
-            <a:picLocks noChangeAspect="1"/>
-          </p:cNvPicPr>
-          <p:nvPr/>
-        </p:nvPicPr>
-        <p:blipFill>
-          <a:blip r:embed="rId2"/>
-          <a:stretch>
-            <a:fillRect/>
-          </a:stretch>
-        </p:blipFill>
-        <p:spPr>
-          <a:xfrm>
-            <a:off x="1719977" y="673360"/>
-            <a:ext cx="8752045" cy="6184640"/>
-          </a:xfrm>
-          <a:prstGeom prst="rect">
-            <a:avLst/>
-          </a:prstGeom>
-        </p:spPr>
-      </p:pic>
       <p:sp>
         <p:nvSpPr>
           <p:cNvPr id="2" name="Title 1">
             <a:extLst>
               <a:ext uri="{FF2B5EF4-FFF2-40B4-BE49-F238E27FC236}">
-                <a16:creationId xmlns:a16="http://schemas.microsoft.com/office/drawing/2014/main" id="{C9F88D1A-B037-CD46-ABE5-CFBA0A4E2CC3}"/>
+                <a16:creationId xmlns:a16="http://schemas.microsoft.com/office/drawing/2014/main" id="{8CAD0E32-4339-514B-86A2-F5BCF5DC0DBF}"/>
               </a:ext>
             </a:extLst>
           </p:cNvPr>
@@ -12265,8 +14539,12 @@
           <a:p>
             <a:pPr algn="ctr"/>
             <a:r>
+              <a:rPr lang="en-GB" dirty="0"/>
+              <a:t>t</a:t>
+            </a:r>
+            <a:r>
               <a:rPr lang="en-ES" dirty="0"/>
-              <a:t>Shifter (enc)</a:t>
+              <a:t>b:</a:t>
             </a:r>
           </a:p>
         </p:txBody>
@@ -12274,7 +14552,7 @@
     </p:spTree>
     <p:extLst>
       <p:ext uri="{BB962C8B-B14F-4D97-AF65-F5344CB8AC3E}">
-        <p14:creationId xmlns:p14="http://schemas.microsoft.com/office/powerpoint/2010/main" val="3833323351"/>
+        <p14:creationId xmlns:p14="http://schemas.microsoft.com/office/powerpoint/2010/main" val="2653197321"/>
       </p:ext>
     </p:extLst>
   </p:cSld>
@@ -12301,12 +14579,42 @@
           <a:chExt cx="0" cy="0"/>
         </a:xfrm>
       </p:grpSpPr>
+      <p:pic>
+        <p:nvPicPr>
+          <p:cNvPr id="4" name="Picture 3" descr="Chart&#10;&#10;Description automatically generated">
+            <a:extLst>
+              <a:ext uri="{FF2B5EF4-FFF2-40B4-BE49-F238E27FC236}">
+                <a16:creationId xmlns:a16="http://schemas.microsoft.com/office/drawing/2014/main" id="{B2780A5F-A686-454E-A79C-2819FF0A229B}"/>
+              </a:ext>
+            </a:extLst>
+          </p:cNvPr>
+          <p:cNvPicPr>
+            <a:picLocks noChangeAspect="1"/>
+          </p:cNvPicPr>
+          <p:nvPr/>
+        </p:nvPicPr>
+        <p:blipFill>
+          <a:blip r:embed="rId2"/>
+          <a:stretch>
+            <a:fillRect/>
+          </a:stretch>
+        </p:blipFill>
+        <p:spPr>
+          <a:xfrm>
+            <a:off x="1719977" y="673360"/>
+            <a:ext cx="8752045" cy="6184640"/>
+          </a:xfrm>
+          <a:prstGeom prst="rect">
+            <a:avLst/>
+          </a:prstGeom>
+        </p:spPr>
+      </p:pic>
       <p:sp>
         <p:nvSpPr>
           <p:cNvPr id="2" name="Title 1">
             <a:extLst>
               <a:ext uri="{FF2B5EF4-FFF2-40B4-BE49-F238E27FC236}">
-                <a16:creationId xmlns:a16="http://schemas.microsoft.com/office/drawing/2014/main" id="{AF190C2A-DB37-0E41-A54B-4D0A4B4693E8}"/>
+                <a16:creationId xmlns:a16="http://schemas.microsoft.com/office/drawing/2014/main" id="{C9F88D1A-B037-CD46-ABE5-CFBA0A4E2CC3}"/>
               </a:ext>
             </a:extLst>
           </p:cNvPr>
@@ -12317,1385 +14625,23 @@
             <p:ph type="title"/>
           </p:nvPr>
         </p:nvSpPr>
-        <p:spPr>
-          <a:xfrm>
-            <a:off x="838200" y="-79492"/>
-            <a:ext cx="10515600" cy="1325563"/>
-          </a:xfrm>
-        </p:spPr>
+        <p:spPr/>
         <p:txBody>
           <a:bodyPr/>
           <a:lstStyle/>
           <a:p>
             <a:pPr algn="ctr"/>
             <a:r>
-              <a:rPr lang="en-GB" dirty="0"/>
-              <a:t>t</a:t>
-            </a:r>
-            <a:r>
               <a:rPr lang="en-ES" dirty="0"/>
-              <a:t>b: SUCCESSFUL</a:t>
+              <a:t>Shifter (enc)</a:t>
             </a:r>
           </a:p>
         </p:txBody>
       </p:sp>
-      <p:pic>
-        <p:nvPicPr>
-          <p:cNvPr id="4" name="Picture 3">
-            <a:extLst>
-              <a:ext uri="{FF2B5EF4-FFF2-40B4-BE49-F238E27FC236}">
-                <a16:creationId xmlns:a16="http://schemas.microsoft.com/office/drawing/2014/main" id="{F6444BEB-4963-C64F-81AB-5935925996D1}"/>
-              </a:ext>
-            </a:extLst>
-          </p:cNvPr>
-          <p:cNvPicPr>
-            <a:picLocks noChangeAspect="1"/>
-          </p:cNvPicPr>
-          <p:nvPr/>
-        </p:nvPicPr>
-        <p:blipFill rotWithShape="1">
-          <a:blip r:embed="rId2"/>
-          <a:srcRect r="58310"/>
-          <a:stretch/>
-        </p:blipFill>
-        <p:spPr>
-          <a:xfrm>
-            <a:off x="8601191" y="1793558"/>
-            <a:ext cx="3160494" cy="3270884"/>
-          </a:xfrm>
-          <a:prstGeom prst="rect">
-            <a:avLst/>
-          </a:prstGeom>
-        </p:spPr>
-      </p:pic>
-      <p:pic>
-        <p:nvPicPr>
-          <p:cNvPr id="5" name="Picture 4">
-            <a:extLst>
-              <a:ext uri="{FF2B5EF4-FFF2-40B4-BE49-F238E27FC236}">
-                <a16:creationId xmlns:a16="http://schemas.microsoft.com/office/drawing/2014/main" id="{B73730FB-9EC6-FF40-BECC-3AA2EB18DE57}"/>
-              </a:ext>
-            </a:extLst>
-          </p:cNvPr>
-          <p:cNvPicPr>
-            <a:picLocks noChangeAspect="1"/>
-          </p:cNvPicPr>
-          <p:nvPr/>
-        </p:nvPicPr>
-        <p:blipFill rotWithShape="1">
-          <a:blip r:embed="rId3"/>
-          <a:srcRect r="60876"/>
-          <a:stretch/>
-        </p:blipFill>
-        <p:spPr>
-          <a:xfrm>
-            <a:off x="430315" y="1793558"/>
-            <a:ext cx="3459061" cy="3266747"/>
-          </a:xfrm>
-          <a:prstGeom prst="rect">
-            <a:avLst/>
-          </a:prstGeom>
-        </p:spPr>
-      </p:pic>
-      <p:graphicFrame>
-        <p:nvGraphicFramePr>
-          <p:cNvPr id="6" name="Table 6">
-            <a:extLst>
-              <a:ext uri="{FF2B5EF4-FFF2-40B4-BE49-F238E27FC236}">
-                <a16:creationId xmlns:a16="http://schemas.microsoft.com/office/drawing/2014/main" id="{4BF7D8D3-9CB7-1D42-B1EA-B3EC3E6C668E}"/>
-              </a:ext>
-            </a:extLst>
-          </p:cNvPr>
-          <p:cNvGraphicFramePr>
-            <a:graphicFrameLocks noGrp="1"/>
-          </p:cNvGraphicFramePr>
-          <p:nvPr>
-            <p:extLst>
-              <p:ext uri="{D42A27DB-BD31-4B8C-83A1-F6EECF244321}">
-                <p14:modId xmlns:p14="http://schemas.microsoft.com/office/powerpoint/2010/main" val="339970875"/>
-              </p:ext>
-            </p:extLst>
-          </p:nvPr>
-        </p:nvGraphicFramePr>
-        <p:xfrm>
-          <a:off x="5052992" y="1131675"/>
-          <a:ext cx="2086016" cy="4985552"/>
-        </p:xfrm>
-        <a:graphic>
-          <a:graphicData uri="http://schemas.openxmlformats.org/drawingml/2006/table">
-            <a:tbl>
-              <a:tblPr firstRow="1" bandRow="1">
-                <a:tableStyleId>{5940675A-B579-460E-94D1-54222C63F5DA}</a:tableStyleId>
-              </a:tblPr>
-              <a:tblGrid>
-                <a:gridCol w="589280">
-                  <a:extLst>
-                    <a:ext uri="{9D8B030D-6E8A-4147-A177-3AD203B41FA5}">
-                      <a16:colId xmlns:a16="http://schemas.microsoft.com/office/drawing/2014/main" val="1358615862"/>
-                    </a:ext>
-                  </a:extLst>
-                </a:gridCol>
-                <a:gridCol w="498912">
-                  <a:extLst>
-                    <a:ext uri="{9D8B030D-6E8A-4147-A177-3AD203B41FA5}">
-                      <a16:colId xmlns:a16="http://schemas.microsoft.com/office/drawing/2014/main" val="2244448403"/>
-                    </a:ext>
-                  </a:extLst>
-                </a:gridCol>
-                <a:gridCol w="498912">
-                  <a:extLst>
-                    <a:ext uri="{9D8B030D-6E8A-4147-A177-3AD203B41FA5}">
-                      <a16:colId xmlns:a16="http://schemas.microsoft.com/office/drawing/2014/main" val="2260602222"/>
-                    </a:ext>
-                  </a:extLst>
-                </a:gridCol>
-                <a:gridCol w="498912">
-                  <a:extLst>
-                    <a:ext uri="{9D8B030D-6E8A-4147-A177-3AD203B41FA5}">
-                      <a16:colId xmlns:a16="http://schemas.microsoft.com/office/drawing/2014/main" val="3144191804"/>
-                    </a:ext>
-                  </a:extLst>
-                </a:gridCol>
-              </a:tblGrid>
-              <a:tr h="311597">
-                <a:tc>
-                  <a:txBody>
-                    <a:bodyPr/>
-                    <a:lstStyle/>
-                    <a:p>
-                      <a:r>
-                        <a:rPr lang="en-ES" sz="1100" dirty="0"/>
-                        <a:t>p00</a:t>
-                      </a:r>
-                    </a:p>
-                  </a:txBody>
-                  <a:tcPr/>
-                </a:tc>
-                <a:tc>
-                  <a:txBody>
-                    <a:bodyPr/>
-                    <a:lstStyle/>
-                    <a:p>
-                      <a:r>
-                        <a:rPr lang="en-ES" sz="1100" dirty="0"/>
-                        <a:t>00</a:t>
-                      </a:r>
-                    </a:p>
-                  </a:txBody>
-                  <a:tcPr/>
-                </a:tc>
-                <a:tc>
-                  <a:txBody>
-                    <a:bodyPr/>
-                    <a:lstStyle/>
-                    <a:p>
-                      <a:r>
-                        <a:rPr lang="en-ES" sz="1100" dirty="0"/>
-                        <a:t>o00</a:t>
-                      </a:r>
-                    </a:p>
-                  </a:txBody>
-                  <a:tcPr/>
-                </a:tc>
-                <a:tc>
-                  <a:txBody>
-                    <a:bodyPr/>
-                    <a:lstStyle/>
-                    <a:p>
-                      <a:r>
-                        <a:rPr lang="en-ES" sz="1100" dirty="0"/>
-                        <a:t>00</a:t>
-                      </a:r>
-                    </a:p>
-                  </a:txBody>
-                  <a:tcPr/>
-                </a:tc>
-                <a:extLst>
-                  <a:ext uri="{0D108BD9-81ED-4DB2-BD59-A6C34878D82A}">
-                    <a16:rowId xmlns:a16="http://schemas.microsoft.com/office/drawing/2014/main" val="1822926274"/>
-                  </a:ext>
-                </a:extLst>
-              </a:tr>
-              <a:tr h="311597">
-                <a:tc>
-                  <a:txBody>
-                    <a:bodyPr/>
-                    <a:lstStyle/>
-                    <a:p>
-                      <a:r>
-                        <a:rPr lang="en-ES" sz="1100" dirty="0"/>
-                        <a:t>p01</a:t>
-                      </a:r>
-                    </a:p>
-                  </a:txBody>
-                  <a:tcPr/>
-                </a:tc>
-                <a:tc>
-                  <a:txBody>
-                    <a:bodyPr/>
-                    <a:lstStyle/>
-                    <a:p>
-                      <a:r>
-                        <a:rPr lang="en-ES" sz="1100" dirty="0"/>
-                        <a:t>01</a:t>
-                      </a:r>
-                    </a:p>
-                  </a:txBody>
-                  <a:tcPr/>
-                </a:tc>
-                <a:tc>
-                  <a:txBody>
-                    <a:bodyPr/>
-                    <a:lstStyle/>
-                    <a:p>
-                      <a:r>
-                        <a:rPr lang="en-ES" sz="1100" dirty="0"/>
-                        <a:t>o01</a:t>
-                      </a:r>
-                    </a:p>
-                  </a:txBody>
-                  <a:tcPr/>
-                </a:tc>
-                <a:tc>
-                  <a:txBody>
-                    <a:bodyPr/>
-                    <a:lstStyle/>
-                    <a:p>
-                      <a:r>
-                        <a:rPr lang="en-ES" sz="1100" dirty="0"/>
-                        <a:t>01</a:t>
-                      </a:r>
-                    </a:p>
-                  </a:txBody>
-                  <a:tcPr/>
-                </a:tc>
-                <a:extLst>
-                  <a:ext uri="{0D108BD9-81ED-4DB2-BD59-A6C34878D82A}">
-                    <a16:rowId xmlns:a16="http://schemas.microsoft.com/office/drawing/2014/main" val="2935675037"/>
-                  </a:ext>
-                </a:extLst>
-              </a:tr>
-              <a:tr h="311597">
-                <a:tc>
-                  <a:txBody>
-                    <a:bodyPr/>
-                    <a:lstStyle/>
-                    <a:p>
-                      <a:r>
-                        <a:rPr lang="en-ES" sz="1100" dirty="0"/>
-                        <a:t>p02</a:t>
-                      </a:r>
-                    </a:p>
-                  </a:txBody>
-                  <a:tcPr/>
-                </a:tc>
-                <a:tc>
-                  <a:txBody>
-                    <a:bodyPr/>
-                    <a:lstStyle/>
-                    <a:p>
-                      <a:r>
-                        <a:rPr lang="en-ES" sz="1100" dirty="0"/>
-                        <a:t>02</a:t>
-                      </a:r>
-                    </a:p>
-                  </a:txBody>
-                  <a:tcPr/>
-                </a:tc>
-                <a:tc>
-                  <a:txBody>
-                    <a:bodyPr/>
-                    <a:lstStyle/>
-                    <a:p>
-                      <a:r>
-                        <a:rPr lang="en-ES" sz="1100" dirty="0"/>
-                        <a:t>o02</a:t>
-                      </a:r>
-                    </a:p>
-                  </a:txBody>
-                  <a:tcPr/>
-                </a:tc>
-                <a:tc>
-                  <a:txBody>
-                    <a:bodyPr/>
-                    <a:lstStyle/>
-                    <a:p>
-                      <a:r>
-                        <a:rPr lang="en-ES" sz="1100" dirty="0"/>
-                        <a:t>02</a:t>
-                      </a:r>
-                    </a:p>
-                  </a:txBody>
-                  <a:tcPr/>
-                </a:tc>
-                <a:extLst>
-                  <a:ext uri="{0D108BD9-81ED-4DB2-BD59-A6C34878D82A}">
-                    <a16:rowId xmlns:a16="http://schemas.microsoft.com/office/drawing/2014/main" val="2470496680"/>
-                  </a:ext>
-                </a:extLst>
-              </a:tr>
-              <a:tr h="311597">
-                <a:tc>
-                  <a:txBody>
-                    <a:bodyPr/>
-                    <a:lstStyle/>
-                    <a:p>
-                      <a:r>
-                        <a:rPr lang="en-ES" sz="1100" dirty="0"/>
-                        <a:t>p03</a:t>
-                      </a:r>
-                    </a:p>
-                  </a:txBody>
-                  <a:tcPr/>
-                </a:tc>
-                <a:tc>
-                  <a:txBody>
-                    <a:bodyPr/>
-                    <a:lstStyle/>
-                    <a:p>
-                      <a:r>
-                        <a:rPr lang="en-ES" sz="1100" dirty="0"/>
-                        <a:t>03</a:t>
-                      </a:r>
-                    </a:p>
-                  </a:txBody>
-                  <a:tcPr/>
-                </a:tc>
-                <a:tc>
-                  <a:txBody>
-                    <a:bodyPr/>
-                    <a:lstStyle/>
-                    <a:p>
-                      <a:r>
-                        <a:rPr lang="en-ES" sz="1100" dirty="0"/>
-                        <a:t>o03</a:t>
-                      </a:r>
-                    </a:p>
-                  </a:txBody>
-                  <a:tcPr/>
-                </a:tc>
-                <a:tc>
-                  <a:txBody>
-                    <a:bodyPr/>
-                    <a:lstStyle/>
-                    <a:p>
-                      <a:r>
-                        <a:rPr lang="en-ES" sz="1100" dirty="0"/>
-                        <a:t>03</a:t>
-                      </a:r>
-                    </a:p>
-                  </a:txBody>
-                  <a:tcPr/>
-                </a:tc>
-                <a:extLst>
-                  <a:ext uri="{0D108BD9-81ED-4DB2-BD59-A6C34878D82A}">
-                    <a16:rowId xmlns:a16="http://schemas.microsoft.com/office/drawing/2014/main" val="254035867"/>
-                  </a:ext>
-                </a:extLst>
-              </a:tr>
-              <a:tr h="311597">
-                <a:tc>
-                  <a:txBody>
-                    <a:bodyPr/>
-                    <a:lstStyle/>
-                    <a:p>
-                      <a:r>
-                        <a:rPr lang="en-ES" sz="1100" dirty="0"/>
-                        <a:t>p10</a:t>
-                      </a:r>
-                    </a:p>
-                  </a:txBody>
-                  <a:tcPr/>
-                </a:tc>
-                <a:tc>
-                  <a:txBody>
-                    <a:bodyPr/>
-                    <a:lstStyle/>
-                    <a:p>
-                      <a:r>
-                        <a:rPr lang="en-ES" sz="1100" dirty="0"/>
-                        <a:t>0A</a:t>
-                      </a:r>
-                    </a:p>
-                  </a:txBody>
-                  <a:tcPr/>
-                </a:tc>
-                <a:tc>
-                  <a:txBody>
-                    <a:bodyPr/>
-                    <a:lstStyle/>
-                    <a:p>
-                      <a:r>
-                        <a:rPr lang="en-ES" sz="1100" dirty="0"/>
-                        <a:t>o10</a:t>
-                      </a:r>
-                    </a:p>
-                  </a:txBody>
-                  <a:tcPr/>
-                </a:tc>
-                <a:tc>
-                  <a:txBody>
-                    <a:bodyPr/>
-                    <a:lstStyle/>
-                    <a:p>
-                      <a:r>
-                        <a:rPr lang="en-ES" sz="1100" dirty="0"/>
-                        <a:t>0D</a:t>
-                      </a:r>
-                    </a:p>
-                  </a:txBody>
-                  <a:tcPr/>
-                </a:tc>
-                <a:extLst>
-                  <a:ext uri="{0D108BD9-81ED-4DB2-BD59-A6C34878D82A}">
-                    <a16:rowId xmlns:a16="http://schemas.microsoft.com/office/drawing/2014/main" val="1300543263"/>
-                  </a:ext>
-                </a:extLst>
-              </a:tr>
-              <a:tr h="311597">
-                <a:tc>
-                  <a:txBody>
-                    <a:bodyPr/>
-                    <a:lstStyle/>
-                    <a:p>
-                      <a:r>
-                        <a:rPr lang="en-ES" sz="1100" dirty="0"/>
-                        <a:t>p11</a:t>
-                      </a:r>
-                    </a:p>
-                  </a:txBody>
-                  <a:tcPr/>
-                </a:tc>
-                <a:tc>
-                  <a:txBody>
-                    <a:bodyPr/>
-                    <a:lstStyle/>
-                    <a:p>
-                      <a:r>
-                        <a:rPr lang="en-ES" sz="1100" dirty="0"/>
-                        <a:t>0B</a:t>
-                      </a:r>
-                    </a:p>
-                  </a:txBody>
-                  <a:tcPr/>
-                </a:tc>
-                <a:tc>
-                  <a:txBody>
-                    <a:bodyPr/>
-                    <a:lstStyle/>
-                    <a:p>
-                      <a:r>
-                        <a:rPr lang="en-ES" sz="1100" dirty="0"/>
-                        <a:t>o11</a:t>
-                      </a:r>
-                    </a:p>
-                  </a:txBody>
-                  <a:tcPr/>
-                </a:tc>
-                <a:tc>
-                  <a:txBody>
-                    <a:bodyPr/>
-                    <a:lstStyle/>
-                    <a:p>
-                      <a:r>
-                        <a:rPr lang="en-ES" sz="1100" dirty="0"/>
-                        <a:t>0A</a:t>
-                      </a:r>
-                    </a:p>
-                  </a:txBody>
-                  <a:tcPr/>
-                </a:tc>
-                <a:extLst>
-                  <a:ext uri="{0D108BD9-81ED-4DB2-BD59-A6C34878D82A}">
-                    <a16:rowId xmlns:a16="http://schemas.microsoft.com/office/drawing/2014/main" val="4065556686"/>
-                  </a:ext>
-                </a:extLst>
-              </a:tr>
-              <a:tr h="311597">
-                <a:tc>
-                  <a:txBody>
-                    <a:bodyPr/>
-                    <a:lstStyle/>
-                    <a:p>
-                      <a:r>
-                        <a:rPr lang="en-ES" sz="1100" dirty="0"/>
-                        <a:t>p12</a:t>
-                      </a:r>
-                    </a:p>
-                  </a:txBody>
-                  <a:tcPr/>
-                </a:tc>
-                <a:tc>
-                  <a:txBody>
-                    <a:bodyPr/>
-                    <a:lstStyle/>
-                    <a:p>
-                      <a:r>
-                        <a:rPr lang="en-ES" sz="1100" dirty="0"/>
-                        <a:t>0C</a:t>
-                      </a:r>
-                    </a:p>
-                  </a:txBody>
-                  <a:tcPr/>
-                </a:tc>
-                <a:tc>
-                  <a:txBody>
-                    <a:bodyPr/>
-                    <a:lstStyle/>
-                    <a:p>
-                      <a:r>
-                        <a:rPr lang="en-ES" sz="1100" dirty="0"/>
-                        <a:t>o12</a:t>
-                      </a:r>
-                    </a:p>
-                  </a:txBody>
-                  <a:tcPr/>
-                </a:tc>
-                <a:tc>
-                  <a:txBody>
-                    <a:bodyPr/>
-                    <a:lstStyle/>
-                    <a:p>
-                      <a:r>
-                        <a:rPr lang="en-ES" sz="1100" dirty="0"/>
-                        <a:t>0B</a:t>
-                      </a:r>
-                    </a:p>
-                  </a:txBody>
-                  <a:tcPr/>
-                </a:tc>
-                <a:extLst>
-                  <a:ext uri="{0D108BD9-81ED-4DB2-BD59-A6C34878D82A}">
-                    <a16:rowId xmlns:a16="http://schemas.microsoft.com/office/drawing/2014/main" val="1578798144"/>
-                  </a:ext>
-                </a:extLst>
-              </a:tr>
-              <a:tr h="311597">
-                <a:tc>
-                  <a:txBody>
-                    <a:bodyPr/>
-                    <a:lstStyle/>
-                    <a:p>
-                      <a:r>
-                        <a:rPr lang="en-ES" sz="1100" dirty="0"/>
-                        <a:t>p13</a:t>
-                      </a:r>
-                    </a:p>
-                  </a:txBody>
-                  <a:tcPr/>
-                </a:tc>
-                <a:tc>
-                  <a:txBody>
-                    <a:bodyPr/>
-                    <a:lstStyle/>
-                    <a:p>
-                      <a:r>
-                        <a:rPr lang="en-ES" sz="1100" dirty="0"/>
-                        <a:t>0D</a:t>
-                      </a:r>
-                    </a:p>
-                  </a:txBody>
-                  <a:tcPr/>
-                </a:tc>
-                <a:tc>
-                  <a:txBody>
-                    <a:bodyPr/>
-                    <a:lstStyle/>
-                    <a:p>
-                      <a:r>
-                        <a:rPr lang="en-ES" sz="1100" dirty="0"/>
-                        <a:t>o13</a:t>
-                      </a:r>
-                    </a:p>
-                  </a:txBody>
-                  <a:tcPr/>
-                </a:tc>
-                <a:tc>
-                  <a:txBody>
-                    <a:bodyPr/>
-                    <a:lstStyle/>
-                    <a:p>
-                      <a:r>
-                        <a:rPr lang="en-ES" sz="1100" dirty="0"/>
-                        <a:t>0C</a:t>
-                      </a:r>
-                    </a:p>
-                  </a:txBody>
-                  <a:tcPr/>
-                </a:tc>
-                <a:extLst>
-                  <a:ext uri="{0D108BD9-81ED-4DB2-BD59-A6C34878D82A}">
-                    <a16:rowId xmlns:a16="http://schemas.microsoft.com/office/drawing/2014/main" val="3268324652"/>
-                  </a:ext>
-                </a:extLst>
-              </a:tr>
-              <a:tr h="311597">
-                <a:tc>
-                  <a:txBody>
-                    <a:bodyPr/>
-                    <a:lstStyle/>
-                    <a:p>
-                      <a:r>
-                        <a:rPr lang="en-ES" sz="1100" dirty="0"/>
-                        <a:t>p20</a:t>
-                      </a:r>
-                    </a:p>
-                  </a:txBody>
-                  <a:tcPr/>
-                </a:tc>
-                <a:tc>
-                  <a:txBody>
-                    <a:bodyPr/>
-                    <a:lstStyle/>
-                    <a:p>
-                      <a:r>
-                        <a:rPr lang="en-ES" sz="1100" dirty="0"/>
-                        <a:t>14</a:t>
-                      </a:r>
-                    </a:p>
-                  </a:txBody>
-                  <a:tcPr/>
-                </a:tc>
-                <a:tc>
-                  <a:txBody>
-                    <a:bodyPr/>
-                    <a:lstStyle/>
-                    <a:p>
-                      <a:r>
-                        <a:rPr lang="en-ES" sz="1100" dirty="0"/>
-                        <a:t>o20</a:t>
-                      </a:r>
-                    </a:p>
-                  </a:txBody>
-                  <a:tcPr/>
-                </a:tc>
-                <a:tc>
-                  <a:txBody>
-                    <a:bodyPr/>
-                    <a:lstStyle/>
-                    <a:p>
-                      <a:r>
-                        <a:rPr lang="en-ES" sz="1100" dirty="0"/>
-                        <a:t>16</a:t>
-                      </a:r>
-                    </a:p>
-                  </a:txBody>
-                  <a:tcPr/>
-                </a:tc>
-                <a:extLst>
-                  <a:ext uri="{0D108BD9-81ED-4DB2-BD59-A6C34878D82A}">
-                    <a16:rowId xmlns:a16="http://schemas.microsoft.com/office/drawing/2014/main" val="2557171081"/>
-                  </a:ext>
-                </a:extLst>
-              </a:tr>
-              <a:tr h="311597">
-                <a:tc>
-                  <a:txBody>
-                    <a:bodyPr/>
-                    <a:lstStyle/>
-                    <a:p>
-                      <a:r>
-                        <a:rPr lang="en-ES" sz="1100" dirty="0"/>
-                        <a:t>p21</a:t>
-                      </a:r>
-                    </a:p>
-                  </a:txBody>
-                  <a:tcPr/>
-                </a:tc>
-                <a:tc>
-                  <a:txBody>
-                    <a:bodyPr/>
-                    <a:lstStyle/>
-                    <a:p>
-                      <a:r>
-                        <a:rPr lang="en-ES" sz="1100" dirty="0"/>
-                        <a:t>15</a:t>
-                      </a:r>
-                    </a:p>
-                  </a:txBody>
-                  <a:tcPr/>
-                </a:tc>
-                <a:tc>
-                  <a:txBody>
-                    <a:bodyPr/>
-                    <a:lstStyle/>
-                    <a:p>
-                      <a:r>
-                        <a:rPr lang="en-ES" sz="1100" dirty="0"/>
-                        <a:t>o21</a:t>
-                      </a:r>
-                    </a:p>
-                  </a:txBody>
-                  <a:tcPr/>
-                </a:tc>
-                <a:tc>
-                  <a:txBody>
-                    <a:bodyPr/>
-                    <a:lstStyle/>
-                    <a:p>
-                      <a:r>
-                        <a:rPr lang="en-ES" sz="1100" dirty="0"/>
-                        <a:t>17</a:t>
-                      </a:r>
-                    </a:p>
-                  </a:txBody>
-                  <a:tcPr/>
-                </a:tc>
-                <a:extLst>
-                  <a:ext uri="{0D108BD9-81ED-4DB2-BD59-A6C34878D82A}">
-                    <a16:rowId xmlns:a16="http://schemas.microsoft.com/office/drawing/2014/main" val="1649847892"/>
-                  </a:ext>
-                </a:extLst>
-              </a:tr>
-              <a:tr h="311597">
-                <a:tc>
-                  <a:txBody>
-                    <a:bodyPr/>
-                    <a:lstStyle/>
-                    <a:p>
-                      <a:r>
-                        <a:rPr lang="en-ES" sz="1100" dirty="0"/>
-                        <a:t>p22</a:t>
-                      </a:r>
-                    </a:p>
-                  </a:txBody>
-                  <a:tcPr/>
-                </a:tc>
-                <a:tc>
-                  <a:txBody>
-                    <a:bodyPr/>
-                    <a:lstStyle/>
-                    <a:p>
-                      <a:r>
-                        <a:rPr lang="en-ES" sz="1100" dirty="0"/>
-                        <a:t>16</a:t>
-                      </a:r>
-                    </a:p>
-                  </a:txBody>
-                  <a:tcPr/>
-                </a:tc>
-                <a:tc>
-                  <a:txBody>
-                    <a:bodyPr/>
-                    <a:lstStyle/>
-                    <a:p>
-                      <a:r>
-                        <a:rPr lang="en-ES" sz="1100" dirty="0"/>
-                        <a:t>o22</a:t>
-                      </a:r>
-                    </a:p>
-                  </a:txBody>
-                  <a:tcPr/>
-                </a:tc>
-                <a:tc>
-                  <a:txBody>
-                    <a:bodyPr/>
-                    <a:lstStyle/>
-                    <a:p>
-                      <a:r>
-                        <a:rPr lang="en-ES" sz="1100" dirty="0"/>
-                        <a:t>14</a:t>
-                      </a:r>
-                    </a:p>
-                  </a:txBody>
-                  <a:tcPr/>
-                </a:tc>
-                <a:extLst>
-                  <a:ext uri="{0D108BD9-81ED-4DB2-BD59-A6C34878D82A}">
-                    <a16:rowId xmlns:a16="http://schemas.microsoft.com/office/drawing/2014/main" val="1063635870"/>
-                  </a:ext>
-                </a:extLst>
-              </a:tr>
-              <a:tr h="311597">
-                <a:tc>
-                  <a:txBody>
-                    <a:bodyPr/>
-                    <a:lstStyle/>
-                    <a:p>
-                      <a:r>
-                        <a:rPr lang="en-ES" sz="1100" dirty="0"/>
-                        <a:t>p23</a:t>
-                      </a:r>
-                    </a:p>
-                  </a:txBody>
-                  <a:tcPr/>
-                </a:tc>
-                <a:tc>
-                  <a:txBody>
-                    <a:bodyPr/>
-                    <a:lstStyle/>
-                    <a:p>
-                      <a:r>
-                        <a:rPr lang="en-ES" sz="1100" dirty="0"/>
-                        <a:t>17</a:t>
-                      </a:r>
-                    </a:p>
-                  </a:txBody>
-                  <a:tcPr/>
-                </a:tc>
-                <a:tc>
-                  <a:txBody>
-                    <a:bodyPr/>
-                    <a:lstStyle/>
-                    <a:p>
-                      <a:r>
-                        <a:rPr lang="en-ES" sz="1100" dirty="0"/>
-                        <a:t>o23</a:t>
-                      </a:r>
-                    </a:p>
-                  </a:txBody>
-                  <a:tcPr/>
-                </a:tc>
-                <a:tc>
-                  <a:txBody>
-                    <a:bodyPr/>
-                    <a:lstStyle/>
-                    <a:p>
-                      <a:r>
-                        <a:rPr lang="en-ES" sz="1100" dirty="0"/>
-                        <a:t>15</a:t>
-                      </a:r>
-                    </a:p>
-                  </a:txBody>
-                  <a:tcPr/>
-                </a:tc>
-                <a:extLst>
-                  <a:ext uri="{0D108BD9-81ED-4DB2-BD59-A6C34878D82A}">
-                    <a16:rowId xmlns:a16="http://schemas.microsoft.com/office/drawing/2014/main" val="264362211"/>
-                  </a:ext>
-                </a:extLst>
-              </a:tr>
-              <a:tr h="311597">
-                <a:tc>
-                  <a:txBody>
-                    <a:bodyPr/>
-                    <a:lstStyle/>
-                    <a:p>
-                      <a:r>
-                        <a:rPr lang="en-ES" sz="1100" dirty="0"/>
-                        <a:t>p30</a:t>
-                      </a:r>
-                    </a:p>
-                  </a:txBody>
-                  <a:tcPr/>
-                </a:tc>
-                <a:tc>
-                  <a:txBody>
-                    <a:bodyPr/>
-                    <a:lstStyle/>
-                    <a:p>
-                      <a:r>
-                        <a:rPr lang="en-ES" sz="1100" dirty="0"/>
-                        <a:t>1E</a:t>
-                      </a:r>
-                    </a:p>
-                  </a:txBody>
-                  <a:tcPr/>
-                </a:tc>
-                <a:tc>
-                  <a:txBody>
-                    <a:bodyPr/>
-                    <a:lstStyle/>
-                    <a:p>
-                      <a:r>
-                        <a:rPr lang="en-ES" sz="1100" dirty="0"/>
-                        <a:t>o30</a:t>
-                      </a:r>
-                    </a:p>
-                  </a:txBody>
-                  <a:tcPr/>
-                </a:tc>
-                <a:tc>
-                  <a:txBody>
-                    <a:bodyPr/>
-                    <a:lstStyle/>
-                    <a:p>
-                      <a:r>
-                        <a:rPr lang="en-ES" sz="1100" dirty="0"/>
-                        <a:t>1F</a:t>
-                      </a:r>
-                    </a:p>
-                  </a:txBody>
-                  <a:tcPr/>
-                </a:tc>
-                <a:extLst>
-                  <a:ext uri="{0D108BD9-81ED-4DB2-BD59-A6C34878D82A}">
-                    <a16:rowId xmlns:a16="http://schemas.microsoft.com/office/drawing/2014/main" val="210011858"/>
-                  </a:ext>
-                </a:extLst>
-              </a:tr>
-              <a:tr h="311597">
-                <a:tc>
-                  <a:txBody>
-                    <a:bodyPr/>
-                    <a:lstStyle/>
-                    <a:p>
-                      <a:r>
-                        <a:rPr lang="en-ES" sz="1100" dirty="0"/>
-                        <a:t>p31</a:t>
-                      </a:r>
-                    </a:p>
-                  </a:txBody>
-                  <a:tcPr/>
-                </a:tc>
-                <a:tc>
-                  <a:txBody>
-                    <a:bodyPr/>
-                    <a:lstStyle/>
-                    <a:p>
-                      <a:r>
-                        <a:rPr lang="en-ES" sz="1100" dirty="0"/>
-                        <a:t>1F</a:t>
-                      </a:r>
-                    </a:p>
-                  </a:txBody>
-                  <a:tcPr/>
-                </a:tc>
-                <a:tc>
-                  <a:txBody>
-                    <a:bodyPr/>
-                    <a:lstStyle/>
-                    <a:p>
-                      <a:r>
-                        <a:rPr lang="en-ES" sz="1100" dirty="0"/>
-                        <a:t>o31</a:t>
-                      </a:r>
-                    </a:p>
-                  </a:txBody>
-                  <a:tcPr/>
-                </a:tc>
-                <a:tc>
-                  <a:txBody>
-                    <a:bodyPr/>
-                    <a:lstStyle/>
-                    <a:p>
-                      <a:r>
-                        <a:rPr lang="en-ES" sz="1100" dirty="0"/>
-                        <a:t>20</a:t>
-                      </a:r>
-                    </a:p>
-                  </a:txBody>
-                  <a:tcPr/>
-                </a:tc>
-                <a:extLst>
-                  <a:ext uri="{0D108BD9-81ED-4DB2-BD59-A6C34878D82A}">
-                    <a16:rowId xmlns:a16="http://schemas.microsoft.com/office/drawing/2014/main" val="3302077097"/>
-                  </a:ext>
-                </a:extLst>
-              </a:tr>
-              <a:tr h="311597">
-                <a:tc>
-                  <a:txBody>
-                    <a:bodyPr/>
-                    <a:lstStyle/>
-                    <a:p>
-                      <a:r>
-                        <a:rPr lang="en-ES" sz="1100" dirty="0"/>
-                        <a:t>p32</a:t>
-                      </a:r>
-                    </a:p>
-                  </a:txBody>
-                  <a:tcPr/>
-                </a:tc>
-                <a:tc>
-                  <a:txBody>
-                    <a:bodyPr/>
-                    <a:lstStyle/>
-                    <a:p>
-                      <a:r>
-                        <a:rPr lang="en-ES" sz="1100" dirty="0"/>
-                        <a:t>20</a:t>
-                      </a:r>
-                    </a:p>
-                  </a:txBody>
-                  <a:tcPr/>
-                </a:tc>
-                <a:tc>
-                  <a:txBody>
-                    <a:bodyPr/>
-                    <a:lstStyle/>
-                    <a:p>
-                      <a:r>
-                        <a:rPr lang="en-ES" sz="1100" dirty="0"/>
-                        <a:t>o32</a:t>
-                      </a:r>
-                    </a:p>
-                  </a:txBody>
-                  <a:tcPr/>
-                </a:tc>
-                <a:tc>
-                  <a:txBody>
-                    <a:bodyPr/>
-                    <a:lstStyle/>
-                    <a:p>
-                      <a:r>
-                        <a:rPr lang="en-ES" sz="1100" dirty="0"/>
-                        <a:t>21</a:t>
-                      </a:r>
-                    </a:p>
-                  </a:txBody>
-                  <a:tcPr/>
-                </a:tc>
-                <a:extLst>
-                  <a:ext uri="{0D108BD9-81ED-4DB2-BD59-A6C34878D82A}">
-                    <a16:rowId xmlns:a16="http://schemas.microsoft.com/office/drawing/2014/main" val="1736824"/>
-                  </a:ext>
-                </a:extLst>
-              </a:tr>
-              <a:tr h="311597">
-                <a:tc>
-                  <a:txBody>
-                    <a:bodyPr/>
-                    <a:lstStyle/>
-                    <a:p>
-                      <a:r>
-                        <a:rPr lang="en-ES" sz="1100" dirty="0"/>
-                        <a:t>p33</a:t>
-                      </a:r>
-                    </a:p>
-                  </a:txBody>
-                  <a:tcPr/>
-                </a:tc>
-                <a:tc>
-                  <a:txBody>
-                    <a:bodyPr/>
-                    <a:lstStyle/>
-                    <a:p>
-                      <a:r>
-                        <a:rPr lang="en-ES" sz="1100" dirty="0"/>
-                        <a:t>21</a:t>
-                      </a:r>
-                    </a:p>
-                  </a:txBody>
-                  <a:tcPr/>
-                </a:tc>
-                <a:tc>
-                  <a:txBody>
-                    <a:bodyPr/>
-                    <a:lstStyle/>
-                    <a:p>
-                      <a:r>
-                        <a:rPr lang="en-ES" sz="1100" dirty="0"/>
-                        <a:t>o33</a:t>
-                      </a:r>
-                    </a:p>
-                  </a:txBody>
-                  <a:tcPr/>
-                </a:tc>
-                <a:tc>
-                  <a:txBody>
-                    <a:bodyPr/>
-                    <a:lstStyle/>
-                    <a:p>
-                      <a:r>
-                        <a:rPr lang="en-ES" sz="1100" dirty="0"/>
-                        <a:t>1E</a:t>
-                      </a:r>
-                    </a:p>
-                  </a:txBody>
-                  <a:tcPr/>
-                </a:tc>
-                <a:extLst>
-                  <a:ext uri="{0D108BD9-81ED-4DB2-BD59-A6C34878D82A}">
-                    <a16:rowId xmlns:a16="http://schemas.microsoft.com/office/drawing/2014/main" val="975224102"/>
-                  </a:ext>
-                </a:extLst>
-              </a:tr>
-            </a:tbl>
-          </a:graphicData>
-        </a:graphic>
-      </p:graphicFrame>
-      <p:cxnSp>
-        <p:nvCxnSpPr>
-          <p:cNvPr id="8" name="Straight Arrow Connector 7">
-            <a:extLst>
-              <a:ext uri="{FF2B5EF4-FFF2-40B4-BE49-F238E27FC236}">
-                <a16:creationId xmlns:a16="http://schemas.microsoft.com/office/drawing/2014/main" id="{2DD79D7C-29A5-1542-9C67-5DB4EE43380A}"/>
-              </a:ext>
-            </a:extLst>
-          </p:cNvPr>
-          <p:cNvCxnSpPr>
-            <a:cxnSpLocks/>
-          </p:cNvCxnSpPr>
-          <p:nvPr/>
-        </p:nvCxnSpPr>
-        <p:spPr>
-          <a:xfrm>
-            <a:off x="5947794" y="2567031"/>
-            <a:ext cx="780177" cy="201336"/>
-          </a:xfrm>
-          <a:prstGeom prst="straightConnector1">
-            <a:avLst/>
-          </a:prstGeom>
-          <a:ln w="28575">
-            <a:tailEnd type="triangle"/>
-          </a:ln>
-        </p:spPr>
-        <p:style>
-          <a:lnRef idx="1">
-            <a:schemeClr val="accent1"/>
-          </a:lnRef>
-          <a:fillRef idx="0">
-            <a:schemeClr val="accent1"/>
-          </a:fillRef>
-          <a:effectRef idx="0">
-            <a:schemeClr val="accent1"/>
-          </a:effectRef>
-          <a:fontRef idx="minor">
-            <a:schemeClr val="tx1"/>
-          </a:fontRef>
-        </p:style>
-      </p:cxnSp>
-      <p:cxnSp>
-        <p:nvCxnSpPr>
-          <p:cNvPr id="10" name="Straight Arrow Connector 9">
-            <a:extLst>
-              <a:ext uri="{FF2B5EF4-FFF2-40B4-BE49-F238E27FC236}">
-                <a16:creationId xmlns:a16="http://schemas.microsoft.com/office/drawing/2014/main" id="{5D9A6038-EDB3-FF4B-9866-AADFFA369510}"/>
-              </a:ext>
-            </a:extLst>
-          </p:cNvPr>
-          <p:cNvCxnSpPr>
-            <a:cxnSpLocks/>
-          </p:cNvCxnSpPr>
-          <p:nvPr/>
-        </p:nvCxnSpPr>
-        <p:spPr>
-          <a:xfrm>
-            <a:off x="5972949" y="2903989"/>
-            <a:ext cx="780177" cy="201336"/>
-          </a:xfrm>
-          <a:prstGeom prst="straightConnector1">
-            <a:avLst/>
-          </a:prstGeom>
-          <a:ln w="28575">
-            <a:tailEnd type="triangle"/>
-          </a:ln>
-        </p:spPr>
-        <p:style>
-          <a:lnRef idx="1">
-            <a:schemeClr val="accent1"/>
-          </a:lnRef>
-          <a:fillRef idx="0">
-            <a:schemeClr val="accent1"/>
-          </a:fillRef>
-          <a:effectRef idx="0">
-            <a:schemeClr val="accent1"/>
-          </a:effectRef>
-          <a:fontRef idx="minor">
-            <a:schemeClr val="tx1"/>
-          </a:fontRef>
-        </p:style>
-      </p:cxnSp>
-      <p:cxnSp>
-        <p:nvCxnSpPr>
-          <p:cNvPr id="11" name="Straight Arrow Connector 10">
-            <a:extLst>
-              <a:ext uri="{FF2B5EF4-FFF2-40B4-BE49-F238E27FC236}">
-                <a16:creationId xmlns:a16="http://schemas.microsoft.com/office/drawing/2014/main" id="{AAA52C27-FF0F-C044-B570-2D8D8E666818}"/>
-              </a:ext>
-            </a:extLst>
-          </p:cNvPr>
-          <p:cNvCxnSpPr>
-            <a:cxnSpLocks/>
-          </p:cNvCxnSpPr>
-          <p:nvPr/>
-        </p:nvCxnSpPr>
-        <p:spPr>
-          <a:xfrm>
-            <a:off x="5947793" y="3778198"/>
-            <a:ext cx="805333" cy="563931"/>
-          </a:xfrm>
-          <a:prstGeom prst="straightConnector1">
-            <a:avLst/>
-          </a:prstGeom>
-          <a:ln w="28575">
-            <a:tailEnd type="triangle"/>
-          </a:ln>
-        </p:spPr>
-        <p:style>
-          <a:lnRef idx="1">
-            <a:schemeClr val="accent1"/>
-          </a:lnRef>
-          <a:fillRef idx="0">
-            <a:schemeClr val="accent1"/>
-          </a:fillRef>
-          <a:effectRef idx="0">
-            <a:schemeClr val="accent1"/>
-          </a:effectRef>
-          <a:fontRef idx="minor">
-            <a:schemeClr val="tx1"/>
-          </a:fontRef>
-        </p:style>
-      </p:cxnSp>
-      <p:cxnSp>
-        <p:nvCxnSpPr>
-          <p:cNvPr id="13" name="Straight Arrow Connector 12">
-            <a:extLst>
-              <a:ext uri="{FF2B5EF4-FFF2-40B4-BE49-F238E27FC236}">
-                <a16:creationId xmlns:a16="http://schemas.microsoft.com/office/drawing/2014/main" id="{4464B8F0-5C86-214C-B86E-B7A7FE1DFBE1}"/>
-              </a:ext>
-            </a:extLst>
-          </p:cNvPr>
-          <p:cNvCxnSpPr>
-            <a:cxnSpLocks/>
-          </p:cNvCxnSpPr>
-          <p:nvPr/>
-        </p:nvCxnSpPr>
-        <p:spPr>
-          <a:xfrm>
-            <a:off x="5922638" y="4089327"/>
-            <a:ext cx="805333" cy="563931"/>
-          </a:xfrm>
-          <a:prstGeom prst="straightConnector1">
-            <a:avLst/>
-          </a:prstGeom>
-          <a:ln w="28575">
-            <a:tailEnd type="triangle"/>
-          </a:ln>
-        </p:spPr>
-        <p:style>
-          <a:lnRef idx="1">
-            <a:schemeClr val="accent1"/>
-          </a:lnRef>
-          <a:fillRef idx="0">
-            <a:schemeClr val="accent1"/>
-          </a:fillRef>
-          <a:effectRef idx="0">
-            <a:schemeClr val="accent1"/>
-          </a:effectRef>
-          <a:fontRef idx="minor">
-            <a:schemeClr val="tx1"/>
-          </a:fontRef>
-        </p:style>
-      </p:cxnSp>
-      <p:cxnSp>
-        <p:nvCxnSpPr>
-          <p:cNvPr id="14" name="Straight Arrow Connector 13">
-            <a:extLst>
-              <a:ext uri="{FF2B5EF4-FFF2-40B4-BE49-F238E27FC236}">
-                <a16:creationId xmlns:a16="http://schemas.microsoft.com/office/drawing/2014/main" id="{383FCB8A-E13A-0A4E-8433-E9B6FA92790F}"/>
-              </a:ext>
-            </a:extLst>
-          </p:cNvPr>
-          <p:cNvCxnSpPr>
-            <a:cxnSpLocks/>
-          </p:cNvCxnSpPr>
-          <p:nvPr/>
-        </p:nvCxnSpPr>
-        <p:spPr>
-          <a:xfrm>
-            <a:off x="5922637" y="5047692"/>
-            <a:ext cx="805334" cy="900889"/>
-          </a:xfrm>
-          <a:prstGeom prst="straightConnector1">
-            <a:avLst/>
-          </a:prstGeom>
-          <a:ln w="28575">
-            <a:tailEnd type="triangle"/>
-          </a:ln>
-        </p:spPr>
-        <p:style>
-          <a:lnRef idx="1">
-            <a:schemeClr val="accent1"/>
-          </a:lnRef>
-          <a:fillRef idx="0">
-            <a:schemeClr val="accent1"/>
-          </a:fillRef>
-          <a:effectRef idx="0">
-            <a:schemeClr val="accent1"/>
-          </a:effectRef>
-          <a:fontRef idx="minor">
-            <a:schemeClr val="tx1"/>
-          </a:fontRef>
-        </p:style>
-      </p:cxnSp>
-      <p:cxnSp>
-        <p:nvCxnSpPr>
-          <p:cNvPr id="16" name="Straight Arrow Connector 15">
-            <a:extLst>
-              <a:ext uri="{FF2B5EF4-FFF2-40B4-BE49-F238E27FC236}">
-                <a16:creationId xmlns:a16="http://schemas.microsoft.com/office/drawing/2014/main" id="{9D55ADFA-280C-8945-8976-D2AF103325D4}"/>
-              </a:ext>
-            </a:extLst>
-          </p:cNvPr>
-          <p:cNvCxnSpPr>
-            <a:cxnSpLocks/>
-          </p:cNvCxnSpPr>
-          <p:nvPr/>
-        </p:nvCxnSpPr>
-        <p:spPr>
-          <a:xfrm>
-            <a:off x="5985526" y="1338056"/>
-            <a:ext cx="755022" cy="0"/>
-          </a:xfrm>
-          <a:prstGeom prst="straightConnector1">
-            <a:avLst/>
-          </a:prstGeom>
-          <a:ln w="28575">
-            <a:tailEnd type="triangle"/>
-          </a:ln>
-        </p:spPr>
-        <p:style>
-          <a:lnRef idx="1">
-            <a:schemeClr val="accent1"/>
-          </a:lnRef>
-          <a:fillRef idx="0">
-            <a:schemeClr val="accent1"/>
-          </a:fillRef>
-          <a:effectRef idx="0">
-            <a:schemeClr val="accent1"/>
-          </a:effectRef>
-          <a:fontRef idx="minor">
-            <a:schemeClr val="tx1"/>
-          </a:fontRef>
-        </p:style>
-      </p:cxnSp>
-      <p:cxnSp>
-        <p:nvCxnSpPr>
-          <p:cNvPr id="18" name="Straight Arrow Connector 17">
-            <a:extLst>
-              <a:ext uri="{FF2B5EF4-FFF2-40B4-BE49-F238E27FC236}">
-                <a16:creationId xmlns:a16="http://schemas.microsoft.com/office/drawing/2014/main" id="{9105C7B9-94C9-3F48-9A22-CDAF0D73CBBA}"/>
-              </a:ext>
-            </a:extLst>
-          </p:cNvPr>
-          <p:cNvCxnSpPr>
-            <a:cxnSpLocks/>
-          </p:cNvCxnSpPr>
-          <p:nvPr/>
-        </p:nvCxnSpPr>
-        <p:spPr>
-          <a:xfrm>
-            <a:off x="5998104" y="1649847"/>
-            <a:ext cx="755022" cy="0"/>
-          </a:xfrm>
-          <a:prstGeom prst="straightConnector1">
-            <a:avLst/>
-          </a:prstGeom>
-          <a:ln w="28575">
-            <a:tailEnd type="triangle"/>
-          </a:ln>
-        </p:spPr>
-        <p:style>
-          <a:lnRef idx="1">
-            <a:schemeClr val="accent1"/>
-          </a:lnRef>
-          <a:fillRef idx="0">
-            <a:schemeClr val="accent1"/>
-          </a:fillRef>
-          <a:effectRef idx="0">
-            <a:schemeClr val="accent1"/>
-          </a:effectRef>
-          <a:fontRef idx="minor">
-            <a:schemeClr val="tx1"/>
-          </a:fontRef>
-        </p:style>
-      </p:cxnSp>
     </p:spTree>
     <p:extLst>
       <p:ext uri="{BB962C8B-B14F-4D97-AF65-F5344CB8AC3E}">
-        <p14:creationId xmlns:p14="http://schemas.microsoft.com/office/powerpoint/2010/main" val="2090089813"/>
+        <p14:creationId xmlns:p14="http://schemas.microsoft.com/office/powerpoint/2010/main" val="3833323351"/>
       </p:ext>
     </p:extLst>
   </p:cSld>
